--- a/Challenges.pptx
+++ b/Challenges.pptx
@@ -9070,7 +9070,358 @@
                 <a:ea typeface="+mn-ea"/>
                 <a:cs typeface="+mn-cs"/>
               </a:rPr>
-              <a:t>. This will only run the </a:t>
+              <a:t>. This will only run the NUnit unit tests after the build. </a:t>
+            </a:r>
+          </a:p>
+          <a:p>
+            <a:pPr marL="228600" indent="-228600">
+              <a:buFont typeface="+mj-lt"/>
+              <a:buAutoNum type="arabicPeriod"/>
+            </a:pPr>
+            <a:endParaRPr lang="en-US" sz="1200" b="0" i="0" kern="1200" dirty="0">
+              <a:solidFill>
+                <a:schemeClr val="tx1"/>
+              </a:solidFill>
+              <a:effectLst/>
+              <a:latin typeface="+mn-lt"/>
+              <a:ea typeface="+mn-ea"/>
+              <a:cs typeface="+mn-cs"/>
+            </a:endParaRPr>
+          </a:p>
+          <a:p>
+            <a:pPr marL="228600" indent="-228600">
+              <a:buFont typeface="+mj-lt"/>
+              <a:buAutoNum type="arabicPeriod"/>
+            </a:pPr>
+            <a:endParaRPr lang="en-US" sz="1200" b="0" i="0" kern="1200" dirty="0">
+              <a:solidFill>
+                <a:schemeClr val="tx1"/>
+              </a:solidFill>
+              <a:effectLst/>
+              <a:latin typeface="+mn-lt"/>
+              <a:ea typeface="+mn-ea"/>
+              <a:cs typeface="+mn-cs"/>
+            </a:endParaRPr>
+          </a:p>
+          <a:p>
+            <a:r>
+              <a:rPr lang="en-US" sz="1200" b="0" i="0" kern="1200" dirty="0">
+                <a:solidFill>
+                  <a:schemeClr val="tx1"/>
+                </a:solidFill>
+                <a:effectLst/>
+                <a:latin typeface="+mn-lt"/>
+                <a:ea typeface="+mn-ea"/>
+                <a:cs typeface="+mn-cs"/>
+              </a:rPr>
+              <a:t>Enable Continuous Integration for your build</a:t>
+            </a:r>
+          </a:p>
+          <a:p>
+            <a:endParaRPr lang="en-US" sz="1200" b="0" i="0" kern="1200" dirty="0">
+              <a:solidFill>
+                <a:schemeClr val="tx1"/>
+              </a:solidFill>
+              <a:effectLst/>
+              <a:latin typeface="+mn-lt"/>
+              <a:ea typeface="+mn-ea"/>
+              <a:cs typeface="+mn-cs"/>
+            </a:endParaRPr>
+          </a:p>
+          <a:p>
+            <a:pPr marL="228600" indent="-228600">
+              <a:buFont typeface="+mj-lt"/>
+              <a:buAutoNum type="arabicPeriod"/>
+            </a:pPr>
+            <a:r>
+              <a:rPr lang="en-US" sz="1200" b="0" i="0" kern="1200" dirty="0">
+                <a:solidFill>
+                  <a:schemeClr val="tx1"/>
+                </a:solidFill>
+                <a:effectLst/>
+                <a:latin typeface="+mn-lt"/>
+                <a:ea typeface="+mn-ea"/>
+                <a:cs typeface="+mn-cs"/>
+              </a:rPr>
+              <a:t>While editing your build definition, navigate to the "Triggers" tab</a:t>
+            </a:r>
+          </a:p>
+          <a:p>
+            <a:pPr marL="228600" indent="-228600">
+              <a:buFont typeface="+mj-lt"/>
+              <a:buAutoNum type="arabicPeriod"/>
+            </a:pPr>
+            <a:r>
+              <a:rPr lang="en-US" sz="1200" b="0" i="0" kern="1200" dirty="0">
+                <a:solidFill>
+                  <a:schemeClr val="tx1"/>
+                </a:solidFill>
+                <a:effectLst/>
+                <a:latin typeface="+mn-lt"/>
+                <a:ea typeface="+mn-ea"/>
+                <a:cs typeface="+mn-cs"/>
+              </a:rPr>
+              <a:t>Check the "Enable continuous integration" option</a:t>
+            </a:r>
+          </a:p>
+          <a:p>
+            <a:pPr marL="228600" indent="-228600">
+              <a:buFont typeface="+mj-lt"/>
+              <a:buAutoNum type="arabicPeriod"/>
+            </a:pPr>
+            <a:endParaRPr lang="en-US" sz="1200" b="0" i="0" kern="1200" dirty="0">
+              <a:solidFill>
+                <a:schemeClr val="tx1"/>
+              </a:solidFill>
+              <a:effectLst/>
+              <a:latin typeface="+mn-lt"/>
+              <a:ea typeface="+mn-ea"/>
+              <a:cs typeface="+mn-cs"/>
+            </a:endParaRPr>
+          </a:p>
+          <a:p>
+            <a:r>
+              <a:rPr lang="en-US" sz="1200" b="0" i="0" kern="1200" dirty="0">
+                <a:solidFill>
+                  <a:schemeClr val="tx1"/>
+                </a:solidFill>
+                <a:effectLst/>
+                <a:latin typeface="+mn-lt"/>
+                <a:ea typeface="+mn-ea"/>
+                <a:cs typeface="+mn-cs"/>
+              </a:rPr>
+              <a:t>Run the build</a:t>
+            </a:r>
+          </a:p>
+          <a:p>
+            <a:endParaRPr lang="en-US" sz="1200" b="0" i="0" kern="1200" dirty="0">
+              <a:solidFill>
+                <a:schemeClr val="tx1"/>
+              </a:solidFill>
+              <a:effectLst/>
+              <a:latin typeface="+mn-lt"/>
+              <a:ea typeface="+mn-ea"/>
+              <a:cs typeface="+mn-cs"/>
+            </a:endParaRPr>
+          </a:p>
+          <a:p>
+            <a:pPr marL="228600" indent="-228600">
+              <a:buFont typeface="+mj-lt"/>
+              <a:buAutoNum type="arabicPeriod"/>
+            </a:pPr>
+            <a:r>
+              <a:rPr lang="en-US" sz="1200" b="0" i="0" kern="1200" dirty="0">
+                <a:solidFill>
+                  <a:schemeClr val="tx1"/>
+                </a:solidFill>
+                <a:effectLst/>
+                <a:latin typeface="+mn-lt"/>
+                <a:ea typeface="+mn-ea"/>
+                <a:cs typeface="+mn-cs"/>
+              </a:rPr>
+              <a:t>Press "Save &amp; queue" to save and trigger the new build</a:t>
+            </a:r>
+          </a:p>
+          <a:p>
+            <a:pPr marL="228600" indent="-228600">
+              <a:buFont typeface="+mj-lt"/>
+              <a:buAutoNum type="arabicPeriod"/>
+            </a:pPr>
+            <a:r>
+              <a:rPr lang="en-US" sz="1200" b="0" i="0" kern="1200" dirty="0">
+                <a:solidFill>
+                  <a:schemeClr val="tx1"/>
+                </a:solidFill>
+                <a:effectLst/>
+                <a:latin typeface="+mn-lt"/>
+                <a:ea typeface="+mn-ea"/>
+                <a:cs typeface="+mn-cs"/>
+              </a:rPr>
+              <a:t>Notice the feedback for the build being queued. Select the link to navigate to the build</a:t>
+            </a:r>
+          </a:p>
+          <a:p>
+            <a:pPr marL="228600" indent="-228600">
+              <a:buFont typeface="+mj-lt"/>
+              <a:buAutoNum type="arabicPeriod"/>
+            </a:pPr>
+            <a:r>
+              <a:rPr lang="en-US" sz="1200" b="0" i="0" kern="1200" dirty="0">
+                <a:solidFill>
+                  <a:schemeClr val="tx1"/>
+                </a:solidFill>
+                <a:effectLst/>
+                <a:latin typeface="+mn-lt"/>
+                <a:ea typeface="+mn-ea"/>
+                <a:cs typeface="+mn-cs"/>
+              </a:rPr>
+              <a:t>VSTS Provides direct feedback from the build agent</a:t>
+            </a:r>
+          </a:p>
+          <a:p>
+            <a:pPr marL="228600" indent="-228600">
+              <a:buFont typeface="+mj-lt"/>
+              <a:buAutoNum type="arabicPeriod"/>
+            </a:pPr>
+            <a:r>
+              <a:rPr lang="en-US" sz="1200" b="0" i="0" kern="1200" dirty="0">
+                <a:solidFill>
+                  <a:schemeClr val="tx1"/>
+                </a:solidFill>
+                <a:effectLst/>
+                <a:latin typeface="+mn-lt"/>
+                <a:ea typeface="+mn-ea"/>
+                <a:cs typeface="+mn-cs"/>
+              </a:rPr>
+              <a:t>After the build succeeds, refresh the browser</a:t>
+            </a:r>
+          </a:p>
+          <a:p>
+            <a:pPr marL="228600" indent="-228600">
+              <a:buFont typeface="+mj-lt"/>
+              <a:buAutoNum type="arabicPeriod"/>
+            </a:pPr>
+            <a:r>
+              <a:rPr lang="en-US" sz="1200" b="0" i="0" kern="1200" dirty="0">
+                <a:solidFill>
+                  <a:schemeClr val="tx1"/>
+                </a:solidFill>
+                <a:effectLst/>
+                <a:latin typeface="+mn-lt"/>
+                <a:ea typeface="+mn-ea"/>
+                <a:cs typeface="+mn-cs"/>
+              </a:rPr>
+              <a:t>Notice the new "Artifacts" tab, and click it.</a:t>
+            </a:r>
+          </a:p>
+          <a:p>
+            <a:pPr marL="228600" indent="-228600">
+              <a:buFont typeface="+mj-lt"/>
+              <a:buAutoNum type="arabicPeriod"/>
+            </a:pPr>
+            <a:r>
+              <a:rPr lang="en-US" sz="1200" b="0" i="0" kern="1200" dirty="0">
+                <a:solidFill>
+                  <a:schemeClr val="tx1"/>
+                </a:solidFill>
+                <a:effectLst/>
+                <a:latin typeface="+mn-lt"/>
+                <a:ea typeface="+mn-ea"/>
+                <a:cs typeface="+mn-cs"/>
+              </a:rPr>
+              <a:t>Select the "Explore" button behind the created artifact.</a:t>
+            </a:r>
+          </a:p>
+          <a:p>
+            <a:pPr marL="228600" indent="-228600">
+              <a:buFont typeface="+mj-lt"/>
+              <a:buAutoNum type="arabicPeriod"/>
+            </a:pPr>
+            <a:r>
+              <a:rPr lang="en-US" sz="1200" b="0" i="0" kern="1200" dirty="0">
+                <a:solidFill>
+                  <a:schemeClr val="tx1"/>
+                </a:solidFill>
+                <a:effectLst/>
+                <a:latin typeface="+mn-lt"/>
+                <a:ea typeface="+mn-ea"/>
+                <a:cs typeface="+mn-cs"/>
+              </a:rPr>
+              <a:t>Expand the "Drop" folder</a:t>
+            </a:r>
+          </a:p>
+          <a:p>
+            <a:pPr marL="228600" indent="-228600">
+              <a:buFont typeface="+mj-lt"/>
+              <a:buAutoNum type="arabicPeriod"/>
+            </a:pPr>
+            <a:r>
+              <a:rPr lang="en-US" sz="1200" b="0" i="0" kern="1200" dirty="0">
+                <a:solidFill>
+                  <a:schemeClr val="tx1"/>
+                </a:solidFill>
+                <a:effectLst/>
+                <a:latin typeface="+mn-lt"/>
+                <a:ea typeface="+mn-ea"/>
+                <a:cs typeface="+mn-cs"/>
+              </a:rPr>
+              <a:t>Check &amp; Verify the desired output is part of the artifact. In this case a ".zip" file containing the application.</a:t>
+            </a:r>
+          </a:p>
+          <a:p>
+            <a:pPr marL="228600" indent="-228600">
+              <a:buFont typeface="+mj-lt"/>
+              <a:buAutoNum type="arabicPeriod"/>
+            </a:pPr>
+            <a:endParaRPr lang="en-US" sz="1200" b="0" i="0" kern="1200" dirty="0">
+              <a:solidFill>
+                <a:schemeClr val="tx1"/>
+              </a:solidFill>
+              <a:effectLst/>
+              <a:latin typeface="+mn-lt"/>
+              <a:ea typeface="+mn-ea"/>
+              <a:cs typeface="+mn-cs"/>
+            </a:endParaRPr>
+          </a:p>
+          <a:p>
+            <a:r>
+              <a:rPr lang="en-US" sz="1200" b="0" i="0" kern="1200" dirty="0">
+                <a:solidFill>
+                  <a:schemeClr val="tx1"/>
+                </a:solidFill>
+                <a:effectLst/>
+                <a:latin typeface="+mn-lt"/>
+                <a:ea typeface="+mn-ea"/>
+                <a:cs typeface="+mn-cs"/>
+              </a:rPr>
+              <a:t>Check that CI is triggered when a change to the code is pushed</a:t>
+            </a:r>
+          </a:p>
+          <a:p>
+            <a:endParaRPr lang="en-US" sz="1200" b="0" i="0" kern="1200" dirty="0">
+              <a:solidFill>
+                <a:schemeClr val="tx1"/>
+              </a:solidFill>
+              <a:effectLst/>
+              <a:latin typeface="+mn-lt"/>
+              <a:ea typeface="+mn-ea"/>
+              <a:cs typeface="+mn-cs"/>
+            </a:endParaRPr>
+          </a:p>
+          <a:p>
+            <a:pPr marL="228600" indent="-228600">
+              <a:buFont typeface="+mj-lt"/>
+              <a:buAutoNum type="arabicPeriod"/>
+            </a:pPr>
+            <a:r>
+              <a:rPr lang="en-US" sz="1200" b="0" i="0" kern="1200" dirty="0">
+                <a:solidFill>
+                  <a:schemeClr val="tx1"/>
+                </a:solidFill>
+                <a:effectLst/>
+                <a:latin typeface="+mn-lt"/>
+                <a:ea typeface="+mn-ea"/>
+                <a:cs typeface="+mn-cs"/>
+              </a:rPr>
+              <a:t>Open the MVC Music Store solution in Visual Studio</a:t>
+            </a:r>
+          </a:p>
+          <a:p>
+            <a:pPr marL="228600" indent="-228600">
+              <a:buFont typeface="+mj-lt"/>
+              <a:buAutoNum type="arabicPeriod"/>
+            </a:pPr>
+            <a:r>
+              <a:rPr lang="en-US" sz="1200" b="0" i="0" kern="1200" dirty="0">
+                <a:solidFill>
+                  <a:schemeClr val="tx1"/>
+                </a:solidFill>
+                <a:effectLst/>
+                <a:latin typeface="+mn-lt"/>
+                <a:ea typeface="+mn-ea"/>
+                <a:cs typeface="+mn-cs"/>
+              </a:rPr>
+              <a:t>Make a change to the </a:t>
             </a:r>
             <a:r>
               <a:rPr lang="en-US" sz="1200" b="0" i="0" kern="1200" dirty="0" err="1">
@@ -9082,20 +9433,179 @@
                 <a:ea typeface="+mn-ea"/>
                 <a:cs typeface="+mn-cs"/>
               </a:rPr>
-              <a:t>NUnit</a:t>
-            </a:r>
-            <a:r>
-              <a:rPr lang="en-US" sz="1200" b="0" i="0" kern="1200" dirty="0">
-                <a:solidFill>
-                  <a:schemeClr val="tx1"/>
-                </a:solidFill>
-                <a:effectLst/>
-                <a:latin typeface="+mn-lt"/>
-                <a:ea typeface="+mn-ea"/>
-                <a:cs typeface="+mn-cs"/>
-              </a:rPr>
-              <a:t> unit tests after the build. </a:t>
-            </a:r>
+              <a:t>web.config</a:t>
+            </a:r>
+            <a:r>
+              <a:rPr lang="en-US" sz="1200" b="0" i="0" kern="1200" dirty="0">
+                <a:solidFill>
+                  <a:schemeClr val="tx1"/>
+                </a:solidFill>
+                <a:effectLst/>
+                <a:latin typeface="+mn-lt"/>
+                <a:ea typeface="+mn-ea"/>
+                <a:cs typeface="+mn-cs"/>
+              </a:rPr>
+              <a:t> by adding a newline or a space in the file</a:t>
+            </a:r>
+          </a:p>
+          <a:p>
+            <a:pPr marL="228600" indent="-228600">
+              <a:buFont typeface="+mj-lt"/>
+              <a:buAutoNum type="arabicPeriod"/>
+            </a:pPr>
+            <a:r>
+              <a:rPr lang="en-US" sz="1200" b="0" i="0" kern="1200" dirty="0">
+                <a:solidFill>
+                  <a:schemeClr val="tx1"/>
+                </a:solidFill>
+                <a:effectLst/>
+                <a:latin typeface="+mn-lt"/>
+                <a:ea typeface="+mn-ea"/>
+                <a:cs typeface="+mn-cs"/>
+              </a:rPr>
+              <a:t>Right click the </a:t>
+            </a:r>
+            <a:r>
+              <a:rPr lang="en-US" sz="1200" b="0" i="0" kern="1200" dirty="0" err="1">
+                <a:solidFill>
+                  <a:schemeClr val="tx1"/>
+                </a:solidFill>
+                <a:effectLst/>
+                <a:latin typeface="+mn-lt"/>
+                <a:ea typeface="+mn-ea"/>
+                <a:cs typeface="+mn-cs"/>
+              </a:rPr>
+              <a:t>web.config</a:t>
+            </a:r>
+            <a:r>
+              <a:rPr lang="en-US" sz="1200" b="0" i="0" kern="1200" dirty="0">
+                <a:solidFill>
+                  <a:schemeClr val="tx1"/>
+                </a:solidFill>
+                <a:effectLst/>
+                <a:latin typeface="+mn-lt"/>
+                <a:ea typeface="+mn-ea"/>
+                <a:cs typeface="+mn-cs"/>
+              </a:rPr>
+              <a:t> and click on Commit</a:t>
+            </a:r>
+          </a:p>
+          <a:p>
+            <a:pPr marL="228600" indent="-228600">
+              <a:buFont typeface="+mj-lt"/>
+              <a:buAutoNum type="arabicPeriod"/>
+            </a:pPr>
+            <a:r>
+              <a:rPr lang="en-US" sz="1200" b="0" i="0" kern="1200" dirty="0">
+                <a:solidFill>
+                  <a:schemeClr val="tx1"/>
+                </a:solidFill>
+                <a:effectLst/>
+                <a:latin typeface="+mn-lt"/>
+                <a:ea typeface="+mn-ea"/>
+                <a:cs typeface="+mn-cs"/>
+              </a:rPr>
+              <a:t>Enter the required commit message and select Commit all and Push in the dropdown. This will push your change to the VSTS repo and trigger a new CI build.</a:t>
+            </a:r>
+          </a:p>
+          <a:p>
+            <a:pPr marL="228600" indent="-228600">
+              <a:buFont typeface="+mj-lt"/>
+              <a:buAutoNum type="arabicPeriod"/>
+            </a:pPr>
+            <a:r>
+              <a:rPr lang="en-US" sz="1200" b="0" i="0" kern="1200" dirty="0">
+                <a:solidFill>
+                  <a:schemeClr val="tx1"/>
+                </a:solidFill>
+                <a:effectLst/>
+                <a:latin typeface="+mn-lt"/>
+                <a:ea typeface="+mn-ea"/>
+                <a:cs typeface="+mn-cs"/>
+              </a:rPr>
+              <a:t>Open VSTS in the browser</a:t>
+            </a:r>
+          </a:p>
+          <a:p>
+            <a:pPr marL="228600" indent="-228600">
+              <a:buFont typeface="+mj-lt"/>
+              <a:buAutoNum type="arabicPeriod"/>
+            </a:pPr>
+            <a:r>
+              <a:rPr lang="en-US" sz="1200" b="0" i="0" kern="1200" dirty="0">
+                <a:solidFill>
+                  <a:schemeClr val="tx1"/>
+                </a:solidFill>
+                <a:effectLst/>
+                <a:latin typeface="+mn-lt"/>
+                <a:ea typeface="+mn-ea"/>
+                <a:cs typeface="+mn-cs"/>
+              </a:rPr>
+              <a:t>Click on the Build and Release tab</a:t>
+            </a:r>
+          </a:p>
+          <a:p>
+            <a:pPr marL="228600" indent="-228600">
+              <a:buFont typeface="+mj-lt"/>
+              <a:buAutoNum type="arabicPeriod"/>
+            </a:pPr>
+            <a:r>
+              <a:rPr lang="en-US" sz="1200" b="0" i="0" kern="1200" dirty="0">
+                <a:solidFill>
+                  <a:schemeClr val="tx1"/>
+                </a:solidFill>
+                <a:effectLst/>
+                <a:latin typeface="+mn-lt"/>
+                <a:ea typeface="+mn-ea"/>
+                <a:cs typeface="+mn-cs"/>
+              </a:rPr>
+              <a:t>Click on Builds. You should see the build that you just triggered</a:t>
+            </a:r>
+          </a:p>
+          <a:p>
+            <a:pPr marL="0" indent="0">
+              <a:buFont typeface="+mj-lt"/>
+              <a:buNone/>
+            </a:pPr>
+            <a:endParaRPr lang="en-US" sz="1200" b="0" i="0" kern="1200" dirty="0">
+              <a:solidFill>
+                <a:schemeClr val="tx1"/>
+              </a:solidFill>
+              <a:effectLst/>
+              <a:latin typeface="+mn-lt"/>
+              <a:ea typeface="+mn-ea"/>
+              <a:cs typeface="+mn-cs"/>
+            </a:endParaRPr>
+          </a:p>
+          <a:p>
+            <a:pPr marL="0" indent="0">
+              <a:buFont typeface="+mj-lt"/>
+              <a:buNone/>
+            </a:pPr>
+            <a:endParaRPr lang="en-US" sz="1200" b="0" i="0" kern="1200" dirty="0">
+              <a:solidFill>
+                <a:schemeClr val="tx1"/>
+              </a:solidFill>
+              <a:effectLst/>
+              <a:latin typeface="+mn-lt"/>
+              <a:ea typeface="+mn-ea"/>
+              <a:cs typeface="+mn-cs"/>
+            </a:endParaRPr>
+          </a:p>
+          <a:p>
+            <a:pPr marL="0" indent="0">
+              <a:buFont typeface="+mj-lt"/>
+              <a:buNone/>
+            </a:pPr>
+            <a:endParaRPr lang="en-US" sz="1200" b="0" i="0" kern="1200" dirty="0">
+              <a:solidFill>
+                <a:schemeClr val="tx1"/>
+              </a:solidFill>
+              <a:effectLst/>
+              <a:latin typeface="+mn-lt"/>
+              <a:ea typeface="+mn-ea"/>
+              <a:cs typeface="+mn-cs"/>
+            </a:endParaRPr>
           </a:p>
           <a:p>
             <a:endParaRPr lang="en-US" dirty="0"/>

--- a/Challenges.pptx
+++ b/Challenges.pptx
@@ -9639,6 +9639,1945 @@
     <p:extLst>
       <p:ext uri="{BB962C8B-B14F-4D97-AF65-F5344CB8AC3E}">
         <p14:creationId xmlns:p14="http://schemas.microsoft.com/office/powerpoint/2010/main" val="1999669238"/>
+      </p:ext>
+    </p:extLst>
+  </p:cSld>
+  <p:clrMapOvr>
+    <a:masterClrMapping/>
+  </p:clrMapOvr>
+</p:notes>
+</file>
+
+<file path=ppt/notesSlides/notesSlide9.xml><?xml version="1.0" encoding="utf-8"?>
+<p:notes xmlns:a="http://schemas.openxmlformats.org/drawingml/2006/main" xmlns:r="http://schemas.openxmlformats.org/officeDocument/2006/relationships" xmlns:p="http://schemas.openxmlformats.org/presentationml/2006/main">
+  <p:cSld>
+    <p:spTree>
+      <p:nvGrpSpPr>
+        <p:cNvPr id="1" name=""/>
+        <p:cNvGrpSpPr/>
+        <p:nvPr/>
+      </p:nvGrpSpPr>
+      <p:grpSpPr>
+        <a:xfrm>
+          <a:off x="0" y="0"/>
+          <a:ext cx="0" cy="0"/>
+          <a:chOff x="0" y="0"/>
+          <a:chExt cx="0" cy="0"/>
+        </a:xfrm>
+      </p:grpSpPr>
+      <p:sp>
+        <p:nvSpPr>
+          <p:cNvPr id="2" name="Slide Image Placeholder 1"/>
+          <p:cNvSpPr>
+            <a:spLocks noGrp="1" noRot="1" noChangeAspect="1"/>
+          </p:cNvSpPr>
+          <p:nvPr>
+            <p:ph type="sldImg"/>
+          </p:nvPr>
+        </p:nvSpPr>
+        <p:spPr/>
+      </p:sp>
+      <p:sp>
+        <p:nvSpPr>
+          <p:cNvPr id="3" name="Notes Placeholder 2"/>
+          <p:cNvSpPr>
+            <a:spLocks noGrp="1"/>
+          </p:cNvSpPr>
+          <p:nvPr>
+            <p:ph type="body" idx="1"/>
+          </p:nvPr>
+        </p:nvSpPr>
+        <p:spPr/>
+        <p:txBody>
+          <a:bodyPr/>
+          <a:lstStyle/>
+          <a:p>
+            <a:r>
+              <a:rPr lang="en-US" sz="1200" b="1" i="0" kern="1200" dirty="0">
+                <a:solidFill>
+                  <a:schemeClr val="tx1"/>
+                </a:solidFill>
+                <a:effectLst/>
+                <a:latin typeface="+mn-lt"/>
+                <a:ea typeface="+mn-ea"/>
+                <a:cs typeface="+mn-cs"/>
+              </a:rPr>
+              <a:t>Create Service Endpoint</a:t>
+            </a:r>
+          </a:p>
+          <a:p>
+            <a:endParaRPr lang="en-US" sz="1200" b="0" i="0" kern="1200" dirty="0">
+              <a:solidFill>
+                <a:schemeClr val="tx1"/>
+              </a:solidFill>
+              <a:effectLst/>
+              <a:latin typeface="+mn-lt"/>
+              <a:ea typeface="+mn-ea"/>
+              <a:cs typeface="+mn-cs"/>
+            </a:endParaRPr>
+          </a:p>
+          <a:p>
+            <a:r>
+              <a:rPr lang="en-US" sz="1200" b="0" i="0" kern="1200" dirty="0">
+                <a:solidFill>
+                  <a:schemeClr val="tx1"/>
+                </a:solidFill>
+                <a:effectLst/>
+                <a:latin typeface="+mn-lt"/>
+                <a:ea typeface="+mn-ea"/>
+                <a:cs typeface="+mn-cs"/>
+              </a:rPr>
+              <a:t>To deploy our application towards Azure we need to have a service endpoint to be able to connect to Azure from VSTS. In your project there is a Team Administrator available. This account can be used to register the service endpoint. The following steps guide you through the process.</a:t>
+            </a:r>
+          </a:p>
+          <a:p>
+            <a:endParaRPr lang="en-US" sz="1200" b="1" i="0" kern="1200" dirty="0">
+              <a:solidFill>
+                <a:schemeClr val="tx1"/>
+              </a:solidFill>
+              <a:effectLst/>
+              <a:latin typeface="+mn-lt"/>
+              <a:ea typeface="+mn-ea"/>
+              <a:cs typeface="+mn-cs"/>
+            </a:endParaRPr>
+          </a:p>
+          <a:p>
+            <a:r>
+              <a:rPr lang="en-US" sz="1200" b="1" i="0" kern="1200" dirty="0">
+                <a:solidFill>
+                  <a:schemeClr val="tx1"/>
+                </a:solidFill>
+                <a:effectLst/>
+                <a:latin typeface="+mn-lt"/>
+                <a:ea typeface="+mn-ea"/>
+                <a:cs typeface="+mn-cs"/>
+              </a:rPr>
+              <a:t>Create service principal</a:t>
+            </a:r>
+          </a:p>
+          <a:p>
+            <a:endParaRPr lang="en-US" sz="1200" b="1" i="0" kern="1200" dirty="0">
+              <a:solidFill>
+                <a:schemeClr val="tx1"/>
+              </a:solidFill>
+              <a:effectLst/>
+              <a:latin typeface="+mn-lt"/>
+              <a:ea typeface="+mn-ea"/>
+              <a:cs typeface="+mn-cs"/>
+            </a:endParaRPr>
+          </a:p>
+          <a:p>
+            <a:pPr marL="228600" indent="-228600">
+              <a:buFont typeface="+mj-lt"/>
+              <a:buAutoNum type="arabicPeriod"/>
+            </a:pPr>
+            <a:r>
+              <a:rPr lang="en-US" sz="1200" b="0" i="0" kern="1200" dirty="0">
+                <a:solidFill>
+                  <a:schemeClr val="tx1"/>
+                </a:solidFill>
+                <a:effectLst/>
+                <a:latin typeface="+mn-lt"/>
+                <a:ea typeface="+mn-ea"/>
+                <a:cs typeface="+mn-cs"/>
+              </a:rPr>
+              <a:t>Verify if your machine is Azure PowerShell ready by running the following command</a:t>
+            </a:r>
+          </a:p>
+          <a:p>
+            <a:pPr marL="228600" indent="-228600">
+              <a:buFont typeface="+mj-lt"/>
+              <a:buAutoNum type="arabicPeriod"/>
+            </a:pPr>
+            <a:r>
+              <a:rPr lang="en-US" sz="1200" b="0" i="0" kern="1200" dirty="0">
+                <a:solidFill>
+                  <a:schemeClr val="tx1"/>
+                </a:solidFill>
+                <a:effectLst/>
+                <a:latin typeface="+mn-lt"/>
+                <a:ea typeface="+mn-ea"/>
+                <a:cs typeface="+mn-cs"/>
+              </a:rPr>
+              <a:t>You are good if you see similar output</a:t>
+            </a:r>
+          </a:p>
+          <a:p>
+            <a:pPr marL="228600" indent="-228600">
+              <a:buFont typeface="+mj-lt"/>
+              <a:buAutoNum type="arabicPeriod"/>
+            </a:pPr>
+            <a:r>
+              <a:rPr lang="en-US" sz="1200" b="0" i="0" kern="1200" dirty="0">
+                <a:solidFill>
+                  <a:schemeClr val="tx1"/>
+                </a:solidFill>
+                <a:effectLst/>
+                <a:latin typeface="+mn-lt"/>
+                <a:ea typeface="+mn-ea"/>
+                <a:cs typeface="+mn-cs"/>
+              </a:rPr>
+              <a:t>If not, please follow instructions here to configure this: </a:t>
+            </a:r>
+            <a:r>
+              <a:rPr lang="en-US" sz="1200" b="0" i="0" u="none" strike="noStrike" kern="1200" dirty="0">
+                <a:solidFill>
+                  <a:schemeClr val="tx1"/>
+                </a:solidFill>
+                <a:effectLst/>
+                <a:latin typeface="+mn-lt"/>
+                <a:ea typeface="+mn-ea"/>
+                <a:cs typeface="+mn-cs"/>
+                <a:hlinkClick r:id="rId3"/>
+              </a:rPr>
+              <a:t>https://docs.microsoft.com/en-us/powershell/azure/install-azurerm-ps?view=azurermps-5.7.0</a:t>
+            </a:r>
+            <a:r>
+              <a:rPr lang="en-US" sz="1200" b="0" i="0" kern="1200" dirty="0">
+                <a:solidFill>
+                  <a:schemeClr val="tx1"/>
+                </a:solidFill>
+                <a:effectLst/>
+                <a:latin typeface="+mn-lt"/>
+                <a:ea typeface="+mn-ea"/>
+                <a:cs typeface="+mn-cs"/>
+              </a:rPr>
+              <a:t> </a:t>
+            </a:r>
+          </a:p>
+          <a:p>
+            <a:pPr marL="228600" indent="-228600">
+              <a:buFont typeface="+mj-lt"/>
+              <a:buAutoNum type="arabicPeriod"/>
+            </a:pPr>
+            <a:r>
+              <a:rPr lang="en-US" sz="1200" b="0" i="0" kern="1200" dirty="0">
+                <a:solidFill>
+                  <a:schemeClr val="tx1"/>
+                </a:solidFill>
+                <a:effectLst/>
+                <a:latin typeface="+mn-lt"/>
+                <a:ea typeface="+mn-ea"/>
+                <a:cs typeface="+mn-cs"/>
+              </a:rPr>
+              <a:t>Download and run this PowerShell script in an Azure PowerShell window </a:t>
+            </a:r>
+            <a:r>
+              <a:rPr lang="en-US" sz="1200" b="0" i="0" u="none" strike="noStrike" kern="1200" dirty="0">
+                <a:solidFill>
+                  <a:schemeClr val="tx1"/>
+                </a:solidFill>
+                <a:effectLst/>
+                <a:latin typeface="+mn-lt"/>
+                <a:ea typeface="+mn-ea"/>
+                <a:cs typeface="+mn-cs"/>
+                <a:hlinkClick r:id="rId4"/>
+              </a:rPr>
+              <a:t>https://github.com/Microsoft/vsts-rm-extensions/blob/master/TaskModules/powershell/Azure/SPNCreation.ps1</a:t>
+            </a:r>
+            <a:r>
+              <a:rPr lang="en-US" sz="1200" b="0" i="0" kern="1200" dirty="0">
+                <a:solidFill>
+                  <a:schemeClr val="tx1"/>
+                </a:solidFill>
+                <a:effectLst/>
+                <a:latin typeface="+mn-lt"/>
+                <a:ea typeface="+mn-ea"/>
+                <a:cs typeface="+mn-cs"/>
+              </a:rPr>
+              <a:t> . Keep the values listed at the bottom available as well as the password you have chosen.</a:t>
+            </a:r>
+          </a:p>
+          <a:p>
+            <a:endParaRPr lang="en-US" sz="1200" b="1" i="0" kern="1200" dirty="0">
+              <a:solidFill>
+                <a:schemeClr val="tx1"/>
+              </a:solidFill>
+              <a:effectLst/>
+              <a:latin typeface="+mn-lt"/>
+              <a:ea typeface="+mn-ea"/>
+              <a:cs typeface="+mn-cs"/>
+            </a:endParaRPr>
+          </a:p>
+          <a:p>
+            <a:r>
+              <a:rPr lang="en-US" sz="1200" b="1" i="0" kern="1200" dirty="0">
+                <a:solidFill>
+                  <a:schemeClr val="tx1"/>
+                </a:solidFill>
+                <a:effectLst/>
+                <a:latin typeface="+mn-lt"/>
+                <a:ea typeface="+mn-ea"/>
+                <a:cs typeface="+mn-cs"/>
+              </a:rPr>
+              <a:t>Note:</a:t>
+            </a:r>
+            <a:r>
+              <a:rPr lang="en-US" sz="1200" b="0" i="0" kern="1200" dirty="0">
+                <a:solidFill>
+                  <a:schemeClr val="tx1"/>
+                </a:solidFill>
+                <a:effectLst/>
+                <a:latin typeface="+mn-lt"/>
+                <a:ea typeface="+mn-ea"/>
+                <a:cs typeface="+mn-cs"/>
+              </a:rPr>
+              <a:t> some values have been modified in this screen, like subscription name</a:t>
+            </a:r>
+          </a:p>
+          <a:p>
+            <a:endParaRPr lang="en-US" sz="1200" b="0" i="0" kern="1200" dirty="0">
+              <a:solidFill>
+                <a:schemeClr val="tx1"/>
+              </a:solidFill>
+              <a:effectLst/>
+              <a:latin typeface="+mn-lt"/>
+              <a:ea typeface="+mn-ea"/>
+              <a:cs typeface="+mn-cs"/>
+            </a:endParaRPr>
+          </a:p>
+          <a:p>
+            <a:r>
+              <a:rPr lang="en-US" sz="1200" b="1" i="0" kern="1200" dirty="0">
+                <a:solidFill>
+                  <a:schemeClr val="tx1"/>
+                </a:solidFill>
+                <a:effectLst/>
+                <a:latin typeface="+mn-lt"/>
+                <a:ea typeface="+mn-ea"/>
+                <a:cs typeface="+mn-cs"/>
+              </a:rPr>
+              <a:t>Setup Permissions</a:t>
+            </a:r>
+          </a:p>
+          <a:p>
+            <a:endParaRPr lang="en-US" sz="1200" b="1" i="0" kern="1200" dirty="0">
+              <a:solidFill>
+                <a:schemeClr val="tx1"/>
+              </a:solidFill>
+              <a:effectLst/>
+              <a:latin typeface="+mn-lt"/>
+              <a:ea typeface="+mn-ea"/>
+              <a:cs typeface="+mn-cs"/>
+            </a:endParaRPr>
+          </a:p>
+          <a:p>
+            <a:pPr marL="228600" indent="-228600">
+              <a:buFont typeface="+mj-lt"/>
+              <a:buAutoNum type="arabicPeriod"/>
+            </a:pPr>
+            <a:r>
+              <a:rPr lang="en-US" sz="1200" b="0" i="0" kern="1200" dirty="0">
+                <a:solidFill>
+                  <a:schemeClr val="tx1"/>
+                </a:solidFill>
+                <a:effectLst/>
+                <a:latin typeface="+mn-lt"/>
+                <a:ea typeface="+mn-ea"/>
+                <a:cs typeface="+mn-cs"/>
+              </a:rPr>
+              <a:t>Navigate to the Project Admin Page in VSTS by clicking on the gear icon.</a:t>
+            </a:r>
+          </a:p>
+          <a:p>
+            <a:pPr marL="228600" indent="-228600">
+              <a:buFont typeface="+mj-lt"/>
+              <a:buAutoNum type="arabicPeriod"/>
+            </a:pPr>
+            <a:r>
+              <a:rPr lang="en-US" sz="1200" b="0" i="0" kern="1200" dirty="0">
+                <a:solidFill>
+                  <a:schemeClr val="tx1"/>
+                </a:solidFill>
+                <a:effectLst/>
+                <a:latin typeface="+mn-lt"/>
+                <a:ea typeface="+mn-ea"/>
+                <a:cs typeface="+mn-cs"/>
+              </a:rPr>
+              <a:t>Click on the Security tab</a:t>
+            </a:r>
+          </a:p>
+          <a:p>
+            <a:pPr marL="228600" indent="-228600">
+              <a:buFont typeface="+mj-lt"/>
+              <a:buAutoNum type="arabicPeriod"/>
+            </a:pPr>
+            <a:r>
+              <a:rPr lang="en-US" sz="1200" b="0" i="0" kern="1200" dirty="0">
+                <a:solidFill>
+                  <a:schemeClr val="tx1"/>
+                </a:solidFill>
+                <a:effectLst/>
+                <a:latin typeface="+mn-lt"/>
+                <a:ea typeface="+mn-ea"/>
+                <a:cs typeface="+mn-cs"/>
+              </a:rPr>
+              <a:t>Navigate to the Endpoint Creators Group</a:t>
+            </a:r>
+          </a:p>
+          <a:p>
+            <a:pPr marL="228600" indent="-228600">
+              <a:buFont typeface="+mj-lt"/>
+              <a:buAutoNum type="arabicPeriod"/>
+            </a:pPr>
+            <a:r>
+              <a:rPr lang="en-US" sz="1200" b="0" i="0" kern="1200" dirty="0">
+                <a:solidFill>
+                  <a:schemeClr val="tx1"/>
+                </a:solidFill>
+                <a:effectLst/>
+                <a:latin typeface="+mn-lt"/>
+                <a:ea typeface="+mn-ea"/>
+                <a:cs typeface="+mn-cs"/>
+              </a:rPr>
+              <a:t>Add your Team or Teams' users to the Group</a:t>
+            </a:r>
+          </a:p>
+          <a:p>
+            <a:pPr marL="228600" indent="-228600">
+              <a:buFont typeface="+mj-lt"/>
+              <a:buAutoNum type="arabicPeriod"/>
+            </a:pPr>
+            <a:endParaRPr lang="en-US" sz="1200" b="0" i="0" kern="1200" dirty="0">
+              <a:solidFill>
+                <a:schemeClr val="tx1"/>
+              </a:solidFill>
+              <a:effectLst/>
+              <a:latin typeface="+mn-lt"/>
+              <a:ea typeface="+mn-ea"/>
+              <a:cs typeface="+mn-cs"/>
+            </a:endParaRPr>
+          </a:p>
+          <a:p>
+            <a:r>
+              <a:rPr lang="en-US" sz="1200" b="1" i="0" kern="1200" dirty="0">
+                <a:solidFill>
+                  <a:schemeClr val="tx1"/>
+                </a:solidFill>
+                <a:effectLst/>
+                <a:latin typeface="+mn-lt"/>
+                <a:ea typeface="+mn-ea"/>
+                <a:cs typeface="+mn-cs"/>
+              </a:rPr>
+              <a:t>Create Service endpoint</a:t>
+            </a:r>
+          </a:p>
+          <a:p>
+            <a:endParaRPr lang="en-US" sz="1200" b="1" i="0" kern="1200" dirty="0">
+              <a:solidFill>
+                <a:schemeClr val="tx1"/>
+              </a:solidFill>
+              <a:effectLst/>
+              <a:latin typeface="+mn-lt"/>
+              <a:ea typeface="+mn-ea"/>
+              <a:cs typeface="+mn-cs"/>
+            </a:endParaRPr>
+          </a:p>
+          <a:p>
+            <a:pPr marL="228600" indent="-228600">
+              <a:buFont typeface="+mj-lt"/>
+              <a:buAutoNum type="arabicPeriod"/>
+            </a:pPr>
+            <a:r>
+              <a:rPr lang="en-US" sz="1200" b="0" i="0" kern="1200" dirty="0">
+                <a:solidFill>
+                  <a:schemeClr val="tx1"/>
+                </a:solidFill>
+                <a:effectLst/>
+                <a:latin typeface="+mn-lt"/>
+                <a:ea typeface="+mn-ea"/>
+                <a:cs typeface="+mn-cs"/>
+              </a:rPr>
+              <a:t>Navigate to the Services Admin Page in VSTS by clicking on the gear icon.</a:t>
+            </a:r>
+          </a:p>
+          <a:p>
+            <a:pPr marL="228600" indent="-228600">
+              <a:buFont typeface="+mj-lt"/>
+              <a:buAutoNum type="arabicPeriod"/>
+            </a:pPr>
+            <a:r>
+              <a:rPr lang="en-US" sz="1200" b="0" i="0" kern="1200" dirty="0">
+                <a:solidFill>
+                  <a:schemeClr val="tx1"/>
+                </a:solidFill>
+                <a:effectLst/>
+                <a:latin typeface="+mn-lt"/>
+                <a:ea typeface="+mn-ea"/>
+                <a:cs typeface="+mn-cs"/>
+              </a:rPr>
+              <a:t>Click on the Services tab</a:t>
+            </a:r>
+          </a:p>
+          <a:p>
+            <a:pPr marL="228600" indent="-228600">
+              <a:buFont typeface="+mj-lt"/>
+              <a:buAutoNum type="arabicPeriod"/>
+            </a:pPr>
+            <a:r>
+              <a:rPr lang="en-US" sz="1200" b="0" i="0" kern="1200" dirty="0">
+                <a:solidFill>
+                  <a:schemeClr val="tx1"/>
+                </a:solidFill>
+                <a:effectLst/>
+                <a:latin typeface="+mn-lt"/>
+                <a:ea typeface="+mn-ea"/>
+                <a:cs typeface="+mn-cs"/>
+              </a:rPr>
+              <a:t>Choose to create a "New Service Endpoint" of type "Azure Resource Manager"</a:t>
+            </a:r>
+          </a:p>
+          <a:p>
+            <a:pPr marL="228600" indent="-228600">
+              <a:buFont typeface="+mj-lt"/>
+              <a:buAutoNum type="arabicPeriod"/>
+            </a:pPr>
+            <a:r>
+              <a:rPr lang="en-US" sz="1200" b="0" i="0" kern="1200" dirty="0">
+                <a:solidFill>
+                  <a:schemeClr val="tx1"/>
+                </a:solidFill>
+                <a:effectLst/>
+                <a:latin typeface="+mn-lt"/>
+                <a:ea typeface="+mn-ea"/>
+                <a:cs typeface="+mn-cs"/>
+              </a:rPr>
+              <a:t>From the dialogue choose to use the full version of the dialogue by clicking the highlighted link</a:t>
+            </a:r>
+          </a:p>
+          <a:p>
+            <a:pPr marL="228600" indent="-228600">
+              <a:buFont typeface="+mj-lt"/>
+              <a:buAutoNum type="arabicPeriod"/>
+            </a:pPr>
+            <a:r>
+              <a:rPr lang="en-US" sz="1200" b="0" i="0" kern="1200" dirty="0">
+                <a:solidFill>
+                  <a:schemeClr val="tx1"/>
+                </a:solidFill>
+                <a:effectLst/>
+                <a:latin typeface="+mn-lt"/>
+                <a:ea typeface="+mn-ea"/>
+                <a:cs typeface="+mn-cs"/>
+              </a:rPr>
+              <a:t>Fill in the dialogue</a:t>
+            </a:r>
+          </a:p>
+          <a:p>
+            <a:pPr marL="228600" indent="-228600">
+              <a:buFont typeface="+mj-lt"/>
+              <a:buAutoNum type="arabicPeriod"/>
+            </a:pPr>
+            <a:r>
+              <a:rPr lang="en-US" sz="1200" b="0" i="0" kern="1200" dirty="0">
+                <a:solidFill>
+                  <a:schemeClr val="tx1"/>
+                </a:solidFill>
+                <a:effectLst/>
+                <a:latin typeface="+mn-lt"/>
+                <a:ea typeface="+mn-ea"/>
+                <a:cs typeface="+mn-cs"/>
+              </a:rPr>
+              <a:t>Enter the desired connection name e.g. </a:t>
+            </a:r>
+            <a:r>
+              <a:rPr lang="en-US" sz="1200" b="1" i="0" kern="1200" dirty="0">
+                <a:solidFill>
+                  <a:schemeClr val="tx1"/>
+                </a:solidFill>
+                <a:effectLst/>
+                <a:latin typeface="+mn-lt"/>
+                <a:ea typeface="+mn-ea"/>
+                <a:cs typeface="+mn-cs"/>
+              </a:rPr>
+              <a:t>GDBC Team X</a:t>
+            </a:r>
+            <a:endParaRPr lang="en-US" sz="1200" b="0" i="0" kern="1200" dirty="0">
+              <a:solidFill>
+                <a:schemeClr val="tx1"/>
+              </a:solidFill>
+              <a:effectLst/>
+              <a:latin typeface="+mn-lt"/>
+              <a:ea typeface="+mn-ea"/>
+              <a:cs typeface="+mn-cs"/>
+            </a:endParaRPr>
+          </a:p>
+          <a:p>
+            <a:pPr marL="228600" indent="-228600">
+              <a:buFont typeface="+mj-lt"/>
+              <a:buAutoNum type="arabicPeriod"/>
+            </a:pPr>
+            <a:r>
+              <a:rPr lang="en-US" sz="1200" b="0" i="0" kern="1200" dirty="0">
+                <a:solidFill>
+                  <a:schemeClr val="tx1"/>
+                </a:solidFill>
+                <a:effectLst/>
+                <a:latin typeface="+mn-lt"/>
+                <a:ea typeface="+mn-ea"/>
+                <a:cs typeface="+mn-cs"/>
+              </a:rPr>
+              <a:t>Choose </a:t>
+            </a:r>
+            <a:r>
+              <a:rPr lang="en-US" sz="1200" b="1" i="0" kern="1200" dirty="0">
+                <a:solidFill>
+                  <a:schemeClr val="tx1"/>
+                </a:solidFill>
+                <a:effectLst/>
+                <a:latin typeface="+mn-lt"/>
+                <a:ea typeface="+mn-ea"/>
+                <a:cs typeface="+mn-cs"/>
+              </a:rPr>
+              <a:t>"Azure Cloud"</a:t>
+            </a:r>
+            <a:r>
+              <a:rPr lang="en-US" sz="1200" b="0" i="0" kern="1200" dirty="0">
+                <a:solidFill>
+                  <a:schemeClr val="tx1"/>
+                </a:solidFill>
+                <a:effectLst/>
+                <a:latin typeface="+mn-lt"/>
+                <a:ea typeface="+mn-ea"/>
+                <a:cs typeface="+mn-cs"/>
+              </a:rPr>
+              <a:t> as your environment</a:t>
+            </a:r>
+          </a:p>
+          <a:p>
+            <a:pPr marL="228600" indent="-228600">
+              <a:buFont typeface="+mj-lt"/>
+              <a:buAutoNum type="arabicPeriod"/>
+            </a:pPr>
+            <a:r>
+              <a:rPr lang="en-US" sz="1200" b="0" i="0" kern="1200" dirty="0">
+                <a:solidFill>
+                  <a:schemeClr val="tx1"/>
+                </a:solidFill>
+                <a:effectLst/>
+                <a:latin typeface="+mn-lt"/>
+                <a:ea typeface="+mn-ea"/>
+                <a:cs typeface="+mn-cs"/>
+              </a:rPr>
+              <a:t>Enter your </a:t>
+            </a:r>
+            <a:r>
+              <a:rPr lang="en-US" sz="1200" b="1" i="0" kern="1200" dirty="0">
+                <a:solidFill>
+                  <a:schemeClr val="tx1"/>
+                </a:solidFill>
+                <a:effectLst/>
+                <a:latin typeface="+mn-lt"/>
+                <a:ea typeface="+mn-ea"/>
+                <a:cs typeface="+mn-cs"/>
+              </a:rPr>
+              <a:t>Subscription ID</a:t>
+            </a:r>
+            <a:r>
+              <a:rPr lang="en-US" sz="1200" b="0" i="0" kern="1200" dirty="0">
+                <a:solidFill>
+                  <a:schemeClr val="tx1"/>
+                </a:solidFill>
+                <a:effectLst/>
+                <a:latin typeface="+mn-lt"/>
+                <a:ea typeface="+mn-ea"/>
+                <a:cs typeface="+mn-cs"/>
+              </a:rPr>
+              <a:t>, copy from the script results</a:t>
+            </a:r>
+          </a:p>
+          <a:p>
+            <a:pPr marL="228600" indent="-228600">
+              <a:buFont typeface="+mj-lt"/>
+              <a:buAutoNum type="arabicPeriod"/>
+            </a:pPr>
+            <a:r>
+              <a:rPr lang="en-US" sz="1200" b="0" i="0" kern="1200" dirty="0">
+                <a:solidFill>
+                  <a:schemeClr val="tx1"/>
+                </a:solidFill>
+                <a:effectLst/>
+                <a:latin typeface="+mn-lt"/>
+                <a:ea typeface="+mn-ea"/>
+                <a:cs typeface="+mn-cs"/>
+              </a:rPr>
+              <a:t>Enter your </a:t>
+            </a:r>
+            <a:r>
+              <a:rPr lang="en-US" sz="1200" b="1" i="0" kern="1200" dirty="0">
+                <a:solidFill>
+                  <a:schemeClr val="tx1"/>
+                </a:solidFill>
+                <a:effectLst/>
+                <a:latin typeface="+mn-lt"/>
+                <a:ea typeface="+mn-ea"/>
+                <a:cs typeface="+mn-cs"/>
+              </a:rPr>
+              <a:t>Subscription Name</a:t>
+            </a:r>
+            <a:r>
+              <a:rPr lang="en-US" sz="1200" b="0" i="0" kern="1200" dirty="0">
+                <a:solidFill>
+                  <a:schemeClr val="tx1"/>
+                </a:solidFill>
+                <a:effectLst/>
+                <a:latin typeface="+mn-lt"/>
+                <a:ea typeface="+mn-ea"/>
+                <a:cs typeface="+mn-cs"/>
+              </a:rPr>
+              <a:t>, copy from the script results</a:t>
+            </a:r>
+          </a:p>
+          <a:p>
+            <a:pPr marL="228600" indent="-228600">
+              <a:buFont typeface="+mj-lt"/>
+              <a:buAutoNum type="arabicPeriod"/>
+            </a:pPr>
+            <a:r>
+              <a:rPr lang="en-US" sz="1200" b="0" i="0" kern="1200" dirty="0">
+                <a:solidFill>
+                  <a:schemeClr val="tx1"/>
+                </a:solidFill>
+                <a:effectLst/>
+                <a:latin typeface="+mn-lt"/>
+                <a:ea typeface="+mn-ea"/>
+                <a:cs typeface="+mn-cs"/>
+              </a:rPr>
+              <a:t>Enter your </a:t>
+            </a:r>
+            <a:r>
+              <a:rPr lang="en-US" sz="1200" b="1" i="0" kern="1200" dirty="0">
+                <a:solidFill>
+                  <a:schemeClr val="tx1"/>
+                </a:solidFill>
+                <a:effectLst/>
+                <a:latin typeface="+mn-lt"/>
+                <a:ea typeface="+mn-ea"/>
+                <a:cs typeface="+mn-cs"/>
+              </a:rPr>
+              <a:t>Service Principal Client ID</a:t>
+            </a:r>
+            <a:r>
+              <a:rPr lang="en-US" sz="1200" b="0" i="0" kern="1200" dirty="0">
+                <a:solidFill>
+                  <a:schemeClr val="tx1"/>
+                </a:solidFill>
+                <a:effectLst/>
+                <a:latin typeface="+mn-lt"/>
+                <a:ea typeface="+mn-ea"/>
+                <a:cs typeface="+mn-cs"/>
+              </a:rPr>
+              <a:t>, copy from the script results</a:t>
+            </a:r>
+          </a:p>
+          <a:p>
+            <a:pPr marL="228600" indent="-228600">
+              <a:buFont typeface="+mj-lt"/>
+              <a:buAutoNum type="arabicPeriod"/>
+            </a:pPr>
+            <a:r>
+              <a:rPr lang="en-US" sz="1200" b="0" i="0" kern="1200" dirty="0">
+                <a:solidFill>
+                  <a:schemeClr val="tx1"/>
+                </a:solidFill>
+                <a:effectLst/>
+                <a:latin typeface="+mn-lt"/>
+                <a:ea typeface="+mn-ea"/>
+                <a:cs typeface="+mn-cs"/>
+              </a:rPr>
+              <a:t>Enter your </a:t>
+            </a:r>
+            <a:r>
+              <a:rPr lang="en-US" sz="1200" b="1" i="0" kern="1200" dirty="0">
+                <a:solidFill>
+                  <a:schemeClr val="tx1"/>
+                </a:solidFill>
+                <a:effectLst/>
+                <a:latin typeface="+mn-lt"/>
+                <a:ea typeface="+mn-ea"/>
+                <a:cs typeface="+mn-cs"/>
+              </a:rPr>
+              <a:t>Service Principal Key</a:t>
+            </a:r>
+            <a:r>
+              <a:rPr lang="en-US" sz="1200" b="0" i="0" kern="1200" dirty="0">
+                <a:solidFill>
+                  <a:schemeClr val="tx1"/>
+                </a:solidFill>
+                <a:effectLst/>
+                <a:latin typeface="+mn-lt"/>
+                <a:ea typeface="+mn-ea"/>
+                <a:cs typeface="+mn-cs"/>
+              </a:rPr>
+              <a:t>, copy from the script results</a:t>
+            </a:r>
+          </a:p>
+          <a:p>
+            <a:pPr marL="228600" indent="-228600">
+              <a:buFont typeface="+mj-lt"/>
+              <a:buAutoNum type="arabicPeriod"/>
+            </a:pPr>
+            <a:r>
+              <a:rPr lang="en-US" sz="1200" b="0" i="0" kern="1200" dirty="0">
+                <a:solidFill>
+                  <a:schemeClr val="tx1"/>
+                </a:solidFill>
+                <a:effectLst/>
+                <a:latin typeface="+mn-lt"/>
+                <a:ea typeface="+mn-ea"/>
+                <a:cs typeface="+mn-cs"/>
+              </a:rPr>
+              <a:t>Enter your </a:t>
+            </a:r>
+            <a:r>
+              <a:rPr lang="en-US" sz="1200" b="1" i="0" kern="1200" dirty="0">
+                <a:solidFill>
+                  <a:schemeClr val="tx1"/>
+                </a:solidFill>
+                <a:effectLst/>
+                <a:latin typeface="+mn-lt"/>
+                <a:ea typeface="+mn-ea"/>
+                <a:cs typeface="+mn-cs"/>
+              </a:rPr>
+              <a:t>Tenant ID</a:t>
+            </a:r>
+            <a:r>
+              <a:rPr lang="en-US" sz="1200" b="0" i="0" kern="1200" dirty="0">
+                <a:solidFill>
+                  <a:schemeClr val="tx1"/>
+                </a:solidFill>
+                <a:effectLst/>
+                <a:latin typeface="+mn-lt"/>
+                <a:ea typeface="+mn-ea"/>
+                <a:cs typeface="+mn-cs"/>
+              </a:rPr>
+              <a:t>, copy from the script results</a:t>
+            </a:r>
+          </a:p>
+          <a:p>
+            <a:pPr marL="228600" indent="-228600">
+              <a:buFont typeface="+mj-lt"/>
+              <a:buAutoNum type="arabicPeriod"/>
+            </a:pPr>
+            <a:r>
+              <a:rPr lang="en-US" sz="1200" b="0" i="0" kern="1200" dirty="0">
+                <a:solidFill>
+                  <a:schemeClr val="tx1"/>
+                </a:solidFill>
+                <a:effectLst/>
+                <a:latin typeface="+mn-lt"/>
+                <a:ea typeface="+mn-ea"/>
+                <a:cs typeface="+mn-cs"/>
+              </a:rPr>
+              <a:t>Verify your connection by clicking the "Verify Connection" link</a:t>
+            </a:r>
+          </a:p>
+          <a:p>
+            <a:pPr marL="0" indent="0">
+              <a:buFont typeface="+mj-lt"/>
+              <a:buNone/>
+            </a:pPr>
+            <a:endParaRPr lang="en-US" sz="1200" b="0" i="0" kern="1200" dirty="0">
+              <a:solidFill>
+                <a:schemeClr val="tx1"/>
+              </a:solidFill>
+              <a:effectLst/>
+              <a:latin typeface="+mn-lt"/>
+              <a:ea typeface="+mn-ea"/>
+              <a:cs typeface="+mn-cs"/>
+            </a:endParaRPr>
+          </a:p>
+          <a:p>
+            <a:r>
+              <a:rPr lang="en-US" sz="1200" b="0" i="0" kern="1200" dirty="0">
+                <a:solidFill>
+                  <a:schemeClr val="tx1"/>
+                </a:solidFill>
+                <a:effectLst/>
+                <a:latin typeface="+mn-lt"/>
+                <a:ea typeface="+mn-ea"/>
+                <a:cs typeface="+mn-cs"/>
+              </a:rPr>
+              <a:t>Create a Release Definition</a:t>
+            </a:r>
+          </a:p>
+          <a:p>
+            <a:endParaRPr lang="en-US" sz="1200" b="0" i="0" kern="1200" dirty="0">
+              <a:solidFill>
+                <a:schemeClr val="tx1"/>
+              </a:solidFill>
+              <a:effectLst/>
+              <a:latin typeface="+mn-lt"/>
+              <a:ea typeface="+mn-ea"/>
+              <a:cs typeface="+mn-cs"/>
+            </a:endParaRPr>
+          </a:p>
+          <a:p>
+            <a:pPr marL="228600" indent="-228600">
+              <a:buFont typeface="+mj-lt"/>
+              <a:buAutoNum type="arabicPeriod"/>
+            </a:pPr>
+            <a:r>
+              <a:rPr lang="en-US" sz="1200" b="0" i="0" kern="1200" dirty="0">
+                <a:solidFill>
+                  <a:schemeClr val="tx1"/>
+                </a:solidFill>
+                <a:effectLst/>
+                <a:latin typeface="+mn-lt"/>
+                <a:ea typeface="+mn-ea"/>
+                <a:cs typeface="+mn-cs"/>
+              </a:rPr>
+              <a:t>Navigate to VSTS and select your project </a:t>
+            </a:r>
+            <a:r>
+              <a:rPr lang="en-US" sz="1200" b="0" i="0" u="none" strike="noStrike" kern="1200" dirty="0">
+                <a:solidFill>
+                  <a:schemeClr val="tx1"/>
+                </a:solidFill>
+                <a:effectLst/>
+                <a:latin typeface="+mn-lt"/>
+                <a:ea typeface="+mn-ea"/>
+                <a:cs typeface="+mn-cs"/>
+                <a:hlinkClick r:id="rId5"/>
+              </a:rPr>
+              <a:t>https://globaldevopsbootcamp.visualstudio.com</a:t>
+            </a:r>
+            <a:r>
+              <a:rPr lang="en-US" sz="1200" b="0" i="0" kern="1200" dirty="0">
+                <a:solidFill>
+                  <a:schemeClr val="tx1"/>
+                </a:solidFill>
+                <a:effectLst/>
+                <a:latin typeface="+mn-lt"/>
+                <a:ea typeface="+mn-ea"/>
+                <a:cs typeface="+mn-cs"/>
+              </a:rPr>
+              <a:t> </a:t>
+            </a:r>
+          </a:p>
+          <a:p>
+            <a:pPr marL="228600" indent="-228600">
+              <a:buFont typeface="+mj-lt"/>
+              <a:buAutoNum type="arabicPeriod"/>
+            </a:pPr>
+            <a:r>
+              <a:rPr lang="en-US" sz="1200" b="0" i="0" kern="1200" dirty="0">
+                <a:solidFill>
+                  <a:schemeClr val="tx1"/>
+                </a:solidFill>
+                <a:effectLst/>
+                <a:latin typeface="+mn-lt"/>
+                <a:ea typeface="+mn-ea"/>
+                <a:cs typeface="+mn-cs"/>
+              </a:rPr>
+              <a:t>Navigate to the "Build and Release" hub</a:t>
+            </a:r>
+          </a:p>
+          <a:p>
+            <a:pPr marL="228600" indent="-228600">
+              <a:buFont typeface="+mj-lt"/>
+              <a:buAutoNum type="arabicPeriod"/>
+            </a:pPr>
+            <a:r>
+              <a:rPr lang="en-US" sz="1200" b="0" i="0" kern="1200" dirty="0">
+                <a:solidFill>
+                  <a:schemeClr val="tx1"/>
+                </a:solidFill>
+                <a:effectLst/>
+                <a:latin typeface="+mn-lt"/>
+                <a:ea typeface="+mn-ea"/>
+                <a:cs typeface="+mn-cs"/>
+              </a:rPr>
+              <a:t>Create a new release definition</a:t>
+            </a:r>
+          </a:p>
+          <a:p>
+            <a:pPr marL="228600" indent="-228600">
+              <a:buFont typeface="+mj-lt"/>
+              <a:buAutoNum type="arabicPeriod"/>
+            </a:pPr>
+            <a:r>
+              <a:rPr lang="en-US" sz="1200" b="0" i="0" kern="1200" dirty="0">
+                <a:solidFill>
+                  <a:schemeClr val="tx1"/>
+                </a:solidFill>
+                <a:effectLst/>
+                <a:latin typeface="+mn-lt"/>
+                <a:ea typeface="+mn-ea"/>
+                <a:cs typeface="+mn-cs"/>
+              </a:rPr>
+              <a:t>Choose the "Azure App Service Deployment" template</a:t>
+            </a:r>
+          </a:p>
+          <a:p>
+            <a:pPr marL="228600" indent="-228600">
+              <a:buFont typeface="+mj-lt"/>
+              <a:buAutoNum type="arabicPeriod"/>
+            </a:pPr>
+            <a:r>
+              <a:rPr lang="en-US" sz="1200" b="0" i="0" kern="1200" dirty="0">
+                <a:solidFill>
+                  <a:schemeClr val="tx1"/>
+                </a:solidFill>
+                <a:effectLst/>
+                <a:latin typeface="+mn-lt"/>
+                <a:ea typeface="+mn-ea"/>
+                <a:cs typeface="+mn-cs"/>
+              </a:rPr>
+              <a:t>Provide a logical name to the environment, e.g. "Release Verification"</a:t>
+            </a:r>
+          </a:p>
+          <a:p>
+            <a:pPr marL="228600" indent="-228600">
+              <a:buFont typeface="+mj-lt"/>
+              <a:buAutoNum type="arabicPeriod"/>
+            </a:pPr>
+            <a:r>
+              <a:rPr lang="en-US" sz="1200" b="0" i="0" kern="1200" dirty="0">
+                <a:solidFill>
+                  <a:schemeClr val="tx1"/>
+                </a:solidFill>
+                <a:effectLst/>
+                <a:latin typeface="+mn-lt"/>
+                <a:ea typeface="+mn-ea"/>
+                <a:cs typeface="+mn-cs"/>
+              </a:rPr>
+              <a:t>Add an artifact to the release</a:t>
+            </a:r>
+          </a:p>
+          <a:p>
+            <a:pPr marL="228600" indent="-228600">
+              <a:buFont typeface="+mj-lt"/>
+              <a:buAutoNum type="arabicPeriod"/>
+            </a:pPr>
+            <a:r>
+              <a:rPr lang="en-US" sz="1200" b="0" i="0" kern="1200" dirty="0">
+                <a:solidFill>
+                  <a:schemeClr val="tx1"/>
+                </a:solidFill>
+                <a:effectLst/>
+                <a:latin typeface="+mn-lt"/>
+                <a:ea typeface="+mn-ea"/>
+                <a:cs typeface="+mn-cs"/>
+              </a:rPr>
+              <a:t>Select the source type "Build", the project should be pre-selected, choose the "Source" (Build Definition), and select "Latest" as version. Then provide a logical name, to be able to refer to the Artifact published by the build later. Then choose "Add" to add this artifact.</a:t>
+            </a:r>
+          </a:p>
+          <a:p>
+            <a:pPr marL="228600" indent="-228600">
+              <a:buFont typeface="+mj-lt"/>
+              <a:buAutoNum type="arabicPeriod"/>
+            </a:pPr>
+            <a:r>
+              <a:rPr lang="en-US" sz="1200" b="0" i="0" kern="1200" dirty="0">
+                <a:solidFill>
+                  <a:schemeClr val="tx1"/>
+                </a:solidFill>
+                <a:effectLst/>
+                <a:latin typeface="+mn-lt"/>
+                <a:ea typeface="+mn-ea"/>
+                <a:cs typeface="+mn-cs"/>
+              </a:rPr>
+              <a:t>Add another artifact to the release, this time choose "Git" as Source Type and then select the correct Source (Repository) as well as the Default Branch and Default version. Then provide a logical name to be able to refer to the Artifact to use in the release later.</a:t>
+            </a:r>
+          </a:p>
+          <a:p>
+            <a:pPr marL="228600" indent="-228600">
+              <a:buFont typeface="+mj-lt"/>
+              <a:buAutoNum type="arabicPeriod"/>
+            </a:pPr>
+            <a:r>
+              <a:rPr lang="en-US" sz="1200" b="0" i="0" kern="1200" dirty="0">
+                <a:solidFill>
+                  <a:schemeClr val="tx1"/>
+                </a:solidFill>
+                <a:effectLst/>
+                <a:latin typeface="+mn-lt"/>
+                <a:ea typeface="+mn-ea"/>
+                <a:cs typeface="+mn-cs"/>
+              </a:rPr>
+              <a:t>For the 'Application artifact' set the "Continuous deployment trigger"</a:t>
+            </a:r>
+          </a:p>
+          <a:p>
+            <a:pPr marL="228600" indent="-228600">
+              <a:buFont typeface="+mj-lt"/>
+              <a:buAutoNum type="arabicPeriod"/>
+            </a:pPr>
+            <a:r>
+              <a:rPr lang="en-US" sz="1200" b="0" i="0" kern="1200" dirty="0">
+                <a:solidFill>
+                  <a:schemeClr val="tx1"/>
+                </a:solidFill>
+                <a:effectLst/>
+                <a:latin typeface="+mn-lt"/>
+                <a:ea typeface="+mn-ea"/>
+                <a:cs typeface="+mn-cs"/>
+              </a:rPr>
+              <a:t>Enable the Continuous deployment trigger</a:t>
+            </a:r>
+          </a:p>
+          <a:p>
+            <a:pPr marL="228600" indent="-228600">
+              <a:buFont typeface="+mj-lt"/>
+              <a:buAutoNum type="arabicPeriod"/>
+            </a:pPr>
+            <a:r>
+              <a:rPr lang="en-US" sz="1200" b="0" i="0" kern="1200" dirty="0">
+                <a:solidFill>
+                  <a:schemeClr val="tx1"/>
+                </a:solidFill>
+                <a:effectLst/>
+                <a:latin typeface="+mn-lt"/>
+                <a:ea typeface="+mn-ea"/>
+                <a:cs typeface="+mn-cs"/>
+              </a:rPr>
+              <a:t>Navigate to the "Tasks" tab</a:t>
+            </a:r>
+          </a:p>
+          <a:p>
+            <a:pPr marL="228600" indent="-228600">
+              <a:buFont typeface="+mj-lt"/>
+              <a:buAutoNum type="arabicPeriod"/>
+            </a:pPr>
+            <a:r>
+              <a:rPr lang="en-US" sz="1200" b="0" i="0" kern="1200" dirty="0">
+                <a:solidFill>
+                  <a:schemeClr val="tx1"/>
+                </a:solidFill>
+                <a:effectLst/>
+                <a:latin typeface="+mn-lt"/>
+                <a:ea typeface="+mn-ea"/>
+                <a:cs typeface="+mn-cs"/>
+              </a:rPr>
+              <a:t>On your the environment section, choose your azure subscription, and provide a "App Service Name". Choose to use a variable for this e.g. </a:t>
+            </a:r>
+            <a:r>
+              <a:rPr lang="en-US" sz="1200" b="1" i="0" kern="1200" dirty="0" err="1">
+                <a:solidFill>
+                  <a:schemeClr val="tx1"/>
+                </a:solidFill>
+                <a:effectLst/>
+                <a:latin typeface="+mn-lt"/>
+                <a:ea typeface="+mn-ea"/>
+                <a:cs typeface="+mn-cs"/>
+              </a:rPr>
+              <a:t>xjg-webapp-sampleapp</a:t>
+            </a:r>
+            <a:r>
+              <a:rPr lang="en-US" sz="1200" b="0" i="0" kern="1200" dirty="0">
+                <a:solidFill>
+                  <a:schemeClr val="tx1"/>
+                </a:solidFill>
+                <a:effectLst/>
+                <a:latin typeface="+mn-lt"/>
+                <a:ea typeface="+mn-ea"/>
+                <a:cs typeface="+mn-cs"/>
+              </a:rPr>
+              <a:t>.</a:t>
+            </a:r>
+          </a:p>
+          <a:p>
+            <a:endParaRPr lang="en-US" sz="1200" b="1" i="0" kern="1200" dirty="0">
+              <a:solidFill>
+                <a:schemeClr val="tx1"/>
+              </a:solidFill>
+              <a:effectLst/>
+              <a:latin typeface="+mn-lt"/>
+              <a:ea typeface="+mn-ea"/>
+              <a:cs typeface="+mn-cs"/>
+            </a:endParaRPr>
+          </a:p>
+          <a:p>
+            <a:r>
+              <a:rPr lang="en-US" sz="1200" b="1" i="0" kern="1200" dirty="0">
+                <a:solidFill>
+                  <a:schemeClr val="tx1"/>
+                </a:solidFill>
+                <a:effectLst/>
+                <a:latin typeface="+mn-lt"/>
+                <a:ea typeface="+mn-ea"/>
+                <a:cs typeface="+mn-cs"/>
+              </a:rPr>
+              <a:t>Note:</a:t>
+            </a:r>
+            <a:r>
+              <a:rPr lang="en-US" sz="1200" b="0" i="0" kern="1200" dirty="0">
+                <a:solidFill>
+                  <a:schemeClr val="tx1"/>
+                </a:solidFill>
+                <a:effectLst/>
+                <a:latin typeface="+mn-lt"/>
+                <a:ea typeface="+mn-ea"/>
+                <a:cs typeface="+mn-cs"/>
+              </a:rPr>
+              <a:t> The name of your app service name should be globally unique 13. Now select the Azure App Service Deployment task, Verify the details. It should match previous selected items. Notice the Package selection. Click the "..." button to select the our application </a:t>
+            </a:r>
+            <a:r>
+              <a:rPr lang="en-US" sz="1200" b="0" i="0" kern="1200" dirty="0" err="1">
+                <a:solidFill>
+                  <a:schemeClr val="tx1"/>
+                </a:solidFill>
+                <a:effectLst/>
+                <a:latin typeface="+mn-lt"/>
+                <a:ea typeface="+mn-ea"/>
+                <a:cs typeface="+mn-cs"/>
+              </a:rPr>
+              <a:t>zipfile</a:t>
+            </a:r>
+            <a:r>
+              <a:rPr lang="en-US" sz="1200" b="0" i="0" kern="1200" dirty="0">
+                <a:solidFill>
+                  <a:schemeClr val="tx1"/>
+                </a:solidFill>
+                <a:effectLst/>
+                <a:latin typeface="+mn-lt"/>
+                <a:ea typeface="+mn-ea"/>
+                <a:cs typeface="+mn-cs"/>
+              </a:rPr>
+              <a:t>.</a:t>
+            </a:r>
+          </a:p>
+          <a:p>
+            <a:r>
+              <a:rPr lang="en-US" sz="1200" b="0" i="0" kern="1200" dirty="0">
+                <a:solidFill>
+                  <a:schemeClr val="tx1"/>
+                </a:solidFill>
+                <a:effectLst/>
+                <a:latin typeface="+mn-lt"/>
+                <a:ea typeface="+mn-ea"/>
+                <a:cs typeface="+mn-cs"/>
+              </a:rPr>
+              <a:t>Browse to the correct artifact (Build) and select the zip file of our application</a:t>
+            </a:r>
+          </a:p>
+          <a:p>
+            <a:r>
+              <a:rPr lang="en-US" sz="1200" b="0" i="0" kern="1200" dirty="0">
+                <a:solidFill>
+                  <a:schemeClr val="tx1"/>
+                </a:solidFill>
+                <a:effectLst/>
+                <a:latin typeface="+mn-lt"/>
+                <a:ea typeface="+mn-ea"/>
+                <a:cs typeface="+mn-cs"/>
+              </a:rPr>
+              <a:t>Rename your release, and "Save" it</a:t>
+            </a:r>
+          </a:p>
+          <a:p>
+            <a:pPr marL="0" indent="0">
+              <a:buFont typeface="+mj-lt"/>
+              <a:buNone/>
+            </a:pPr>
+            <a:endParaRPr lang="en-US" sz="1200" b="0" i="0" kern="1200" dirty="0">
+              <a:solidFill>
+                <a:schemeClr val="tx1"/>
+              </a:solidFill>
+              <a:effectLst/>
+              <a:latin typeface="+mn-lt"/>
+              <a:ea typeface="+mn-ea"/>
+              <a:cs typeface="+mn-cs"/>
+            </a:endParaRPr>
+          </a:p>
+          <a:p>
+            <a:r>
+              <a:rPr lang="en-US" sz="1200" b="0" i="0" kern="1200" dirty="0">
+                <a:solidFill>
+                  <a:schemeClr val="tx1"/>
+                </a:solidFill>
+                <a:effectLst/>
+                <a:latin typeface="+mn-lt"/>
+                <a:ea typeface="+mn-ea"/>
+                <a:cs typeface="+mn-cs"/>
+              </a:rPr>
+              <a:t>Create a Azure Web App</a:t>
+            </a:r>
+          </a:p>
+          <a:p>
+            <a:endParaRPr lang="en-US" sz="1200" b="0" i="0" kern="1200" dirty="0">
+              <a:solidFill>
+                <a:schemeClr val="tx1"/>
+              </a:solidFill>
+              <a:effectLst/>
+              <a:latin typeface="+mn-lt"/>
+              <a:ea typeface="+mn-ea"/>
+              <a:cs typeface="+mn-cs"/>
+            </a:endParaRPr>
+          </a:p>
+          <a:p>
+            <a:pPr marL="228600" indent="-228600">
+              <a:buFont typeface="+mj-lt"/>
+              <a:buAutoNum type="arabicPeriod"/>
+            </a:pPr>
+            <a:r>
+              <a:rPr lang="en-US" sz="1200" b="0" i="0" kern="1200" dirty="0">
+                <a:solidFill>
+                  <a:schemeClr val="tx1"/>
+                </a:solidFill>
+                <a:effectLst/>
+                <a:latin typeface="+mn-lt"/>
+                <a:ea typeface="+mn-ea"/>
+                <a:cs typeface="+mn-cs"/>
+              </a:rPr>
+              <a:t>Now we have a pipeline that would deploy our application towards Azure. But this would fail while we have not created any infrastructure yet. To be able to succeed we are going to add tasks to our release to provision the Azure Web App to deploy to. We are using our already created batch files. If not created the files are </a:t>
+            </a:r>
+            <a:r>
+              <a:rPr lang="en-US" sz="1200" b="0" i="0" kern="1200" dirty="0" err="1">
+                <a:solidFill>
+                  <a:schemeClr val="tx1"/>
+                </a:solidFill>
+                <a:effectLst/>
+                <a:latin typeface="+mn-lt"/>
+                <a:ea typeface="+mn-ea"/>
+                <a:cs typeface="+mn-cs"/>
+              </a:rPr>
+              <a:t>attachted</a:t>
+            </a:r>
+            <a:r>
+              <a:rPr lang="en-US" sz="1200" b="0" i="0" kern="1200" dirty="0">
+                <a:solidFill>
+                  <a:schemeClr val="tx1"/>
+                </a:solidFill>
+                <a:effectLst/>
+                <a:latin typeface="+mn-lt"/>
+                <a:ea typeface="+mn-ea"/>
+                <a:cs typeface="+mn-cs"/>
+              </a:rPr>
+              <a:t> to the </a:t>
+            </a:r>
+            <a:r>
+              <a:rPr lang="en-US" sz="1200" b="0" i="0" kern="1200" dirty="0" err="1">
+                <a:solidFill>
+                  <a:schemeClr val="tx1"/>
+                </a:solidFill>
+                <a:effectLst/>
+                <a:latin typeface="+mn-lt"/>
+                <a:ea typeface="+mn-ea"/>
+                <a:cs typeface="+mn-cs"/>
+              </a:rPr>
+              <a:t>workitem</a:t>
+            </a:r>
+            <a:r>
+              <a:rPr lang="en-US" sz="1200" b="0" i="0" kern="1200" dirty="0">
+                <a:solidFill>
+                  <a:schemeClr val="tx1"/>
+                </a:solidFill>
+                <a:effectLst/>
+                <a:latin typeface="+mn-lt"/>
+                <a:ea typeface="+mn-ea"/>
+                <a:cs typeface="+mn-cs"/>
+              </a:rPr>
+              <a:t>.</a:t>
+            </a:r>
+          </a:p>
+          <a:p>
+            <a:pPr marL="228600" indent="-228600">
+              <a:buFont typeface="+mj-lt"/>
+              <a:buAutoNum type="arabicPeriod"/>
+            </a:pPr>
+            <a:r>
+              <a:rPr lang="en-US" sz="1200" b="0" i="0" kern="1200" dirty="0">
+                <a:solidFill>
+                  <a:schemeClr val="tx1"/>
+                </a:solidFill>
+                <a:effectLst/>
+                <a:latin typeface="+mn-lt"/>
+                <a:ea typeface="+mn-ea"/>
+                <a:cs typeface="+mn-cs"/>
+              </a:rPr>
+              <a:t>Add the Azure CLI Task to the pipeline</a:t>
+            </a:r>
+          </a:p>
+          <a:p>
+            <a:pPr marL="228600" indent="-228600">
+              <a:buFont typeface="+mj-lt"/>
+              <a:buAutoNum type="arabicPeriod"/>
+            </a:pPr>
+            <a:r>
+              <a:rPr lang="en-US" sz="1200" b="0" i="0" kern="1200" dirty="0">
+                <a:solidFill>
+                  <a:schemeClr val="tx1"/>
+                </a:solidFill>
+                <a:effectLst/>
+                <a:latin typeface="+mn-lt"/>
+                <a:ea typeface="+mn-ea"/>
+                <a:cs typeface="+mn-cs"/>
+              </a:rPr>
+              <a:t>Drag it above the "Deploy Azure App Service" task</a:t>
+            </a:r>
+          </a:p>
+          <a:p>
+            <a:pPr marL="228600" indent="-228600">
+              <a:buFont typeface="+mj-lt"/>
+              <a:buAutoNum type="arabicPeriod"/>
+            </a:pPr>
+            <a:r>
+              <a:rPr lang="en-US" sz="1200" b="0" i="0" kern="1200" dirty="0">
+                <a:solidFill>
+                  <a:schemeClr val="tx1"/>
+                </a:solidFill>
+                <a:effectLst/>
+                <a:latin typeface="+mn-lt"/>
+                <a:ea typeface="+mn-ea"/>
+                <a:cs typeface="+mn-cs"/>
+              </a:rPr>
+              <a:t>Configure the task, select the correct subscription and select the correct deployment script</a:t>
+            </a:r>
+          </a:p>
+          <a:p>
+            <a:pPr marL="228600" indent="-228600">
+              <a:buFont typeface="+mj-lt"/>
+              <a:buAutoNum type="arabicPeriod"/>
+            </a:pPr>
+            <a:r>
+              <a:rPr lang="en-US" sz="1200" b="0" i="0" kern="1200" dirty="0">
+                <a:solidFill>
+                  <a:schemeClr val="tx1"/>
+                </a:solidFill>
+                <a:effectLst/>
+                <a:latin typeface="+mn-lt"/>
+                <a:ea typeface="+mn-ea"/>
+                <a:cs typeface="+mn-cs"/>
+              </a:rPr>
+              <a:t>The script contains the following content</a:t>
+            </a:r>
+          </a:p>
+          <a:p>
+            <a:pPr marL="228600" indent="-228600">
+              <a:buFont typeface="+mj-lt"/>
+              <a:buAutoNum type="arabicPeriod"/>
+            </a:pPr>
+            <a:r>
+              <a:rPr lang="en-US" dirty="0"/>
+              <a:t>REM create resource group call </a:t>
+            </a:r>
+            <a:r>
+              <a:rPr lang="en-US" dirty="0" err="1"/>
+              <a:t>az</a:t>
+            </a:r>
+            <a:r>
+              <a:rPr lang="en-US" dirty="0"/>
+              <a:t> group create --name "</a:t>
+            </a:r>
+            <a:r>
+              <a:rPr lang="en-US" dirty="0" err="1"/>
+              <a:t>xjg-rg-sampleapp</a:t>
+            </a:r>
+            <a:r>
+              <a:rPr lang="en-US" dirty="0"/>
+              <a:t>" --location "West Europe" REM create </a:t>
+            </a:r>
+            <a:r>
+              <a:rPr lang="en-US" dirty="0" err="1"/>
+              <a:t>appservice</a:t>
+            </a:r>
+            <a:r>
+              <a:rPr lang="en-US" dirty="0"/>
+              <a:t> plan call </a:t>
+            </a:r>
+            <a:r>
+              <a:rPr lang="en-US" dirty="0" err="1"/>
+              <a:t>az</a:t>
+            </a:r>
+            <a:r>
+              <a:rPr lang="en-US" dirty="0"/>
+              <a:t> </a:t>
+            </a:r>
+            <a:r>
+              <a:rPr lang="en-US" dirty="0" err="1"/>
+              <a:t>appservice</a:t>
+            </a:r>
+            <a:r>
+              <a:rPr lang="en-US" dirty="0"/>
+              <a:t> plan create -g "</a:t>
+            </a:r>
+            <a:r>
+              <a:rPr lang="en-US" dirty="0" err="1"/>
+              <a:t>xjg-rg-sampleapp</a:t>
+            </a:r>
+            <a:r>
+              <a:rPr lang="en-US" dirty="0"/>
+              <a:t>" -n "</a:t>
+            </a:r>
+            <a:r>
+              <a:rPr lang="en-US" dirty="0" err="1"/>
+              <a:t>xjg</a:t>
+            </a:r>
+            <a:r>
+              <a:rPr lang="en-US" dirty="0"/>
+              <a:t>-app-</a:t>
+            </a:r>
+            <a:r>
+              <a:rPr lang="en-US" dirty="0" err="1"/>
+              <a:t>sampleapp</a:t>
+            </a:r>
+            <a:r>
+              <a:rPr lang="en-US" dirty="0"/>
+              <a:t>" --</a:t>
+            </a:r>
+            <a:r>
+              <a:rPr lang="en-US" dirty="0" err="1"/>
+              <a:t>sku</a:t>
+            </a:r>
+            <a:r>
+              <a:rPr lang="en-US" dirty="0"/>
+              <a:t> F1 REM create </a:t>
+            </a:r>
+            <a:r>
+              <a:rPr lang="en-US" dirty="0" err="1"/>
+              <a:t>azurewebapp</a:t>
+            </a:r>
+            <a:r>
+              <a:rPr lang="en-US" dirty="0"/>
+              <a:t> call </a:t>
+            </a:r>
+            <a:r>
+              <a:rPr lang="en-US" dirty="0" err="1"/>
+              <a:t>az</a:t>
+            </a:r>
+            <a:r>
+              <a:rPr lang="en-US" dirty="0"/>
+              <a:t> </a:t>
+            </a:r>
+            <a:r>
+              <a:rPr lang="en-US" dirty="0" err="1"/>
+              <a:t>webapp</a:t>
+            </a:r>
+            <a:r>
+              <a:rPr lang="en-US" dirty="0"/>
+              <a:t> create -g "</a:t>
+            </a:r>
+            <a:r>
+              <a:rPr lang="en-US" dirty="0" err="1"/>
+              <a:t>xjg-rg-sampleapp</a:t>
+            </a:r>
+            <a:r>
+              <a:rPr lang="en-US" dirty="0"/>
+              <a:t>" -p "</a:t>
+            </a:r>
+            <a:r>
+              <a:rPr lang="en-US" dirty="0" err="1"/>
+              <a:t>xjg</a:t>
+            </a:r>
+            <a:r>
+              <a:rPr lang="en-US" dirty="0"/>
+              <a:t>-app-</a:t>
+            </a:r>
+            <a:r>
+              <a:rPr lang="en-US" dirty="0" err="1"/>
+              <a:t>sampleapp</a:t>
+            </a:r>
+            <a:r>
+              <a:rPr lang="en-US" dirty="0"/>
+              <a:t>" -n "</a:t>
+            </a:r>
+            <a:r>
+              <a:rPr lang="en-US" dirty="0" err="1"/>
+              <a:t>xjg-webapp-sampleapp</a:t>
+            </a:r>
+            <a:r>
+              <a:rPr lang="en-US" dirty="0"/>
+              <a:t>" </a:t>
+            </a:r>
+            <a:r>
+              <a:rPr lang="en-US" sz="1200" b="1" i="0" kern="1200" dirty="0">
+                <a:solidFill>
+                  <a:schemeClr val="tx1"/>
+                </a:solidFill>
+                <a:effectLst/>
+                <a:latin typeface="+mn-lt"/>
+                <a:ea typeface="+mn-ea"/>
+                <a:cs typeface="+mn-cs"/>
+              </a:rPr>
+              <a:t>Note:</a:t>
+            </a:r>
+            <a:r>
+              <a:rPr lang="en-US" sz="1200" b="0" i="0" kern="1200" dirty="0">
+                <a:solidFill>
+                  <a:schemeClr val="tx1"/>
+                </a:solidFill>
+                <a:effectLst/>
+                <a:latin typeface="+mn-lt"/>
+                <a:ea typeface="+mn-ea"/>
+                <a:cs typeface="+mn-cs"/>
+              </a:rPr>
+              <a:t> You can specify your own preferred naming here. Note that your WAP_NAME, needs to be globally unique. Region needs to be a valid Azure Datacenter name, use the following link to find the correct values. </a:t>
+            </a:r>
+            <a:r>
+              <a:rPr lang="en-US" sz="1200" b="0" i="0" u="none" strike="noStrike" kern="1200" dirty="0">
+                <a:solidFill>
+                  <a:schemeClr val="tx1"/>
+                </a:solidFill>
+                <a:effectLst/>
+                <a:latin typeface="+mn-lt"/>
+                <a:ea typeface="+mn-ea"/>
+                <a:cs typeface="+mn-cs"/>
+                <a:hlinkClick r:id="rId6"/>
+              </a:rPr>
+              <a:t>https://docs.microsoft.com/en-us/azure/azure-resource-manager/resource-manager-supported-services</a:t>
+            </a:r>
+            <a:endParaRPr lang="en-US" sz="1200" b="0" i="0" kern="1200" dirty="0">
+              <a:solidFill>
+                <a:schemeClr val="tx1"/>
+              </a:solidFill>
+              <a:effectLst/>
+              <a:latin typeface="+mn-lt"/>
+              <a:ea typeface="+mn-ea"/>
+              <a:cs typeface="+mn-cs"/>
+            </a:endParaRPr>
+          </a:p>
+          <a:p>
+            <a:pPr marL="228600" indent="-228600">
+              <a:buFont typeface="+mj-lt"/>
+              <a:buAutoNum type="arabicPeriod"/>
+            </a:pPr>
+            <a:r>
+              <a:rPr lang="en-US" sz="1200" b="0" i="0" kern="1200" dirty="0">
+                <a:solidFill>
+                  <a:schemeClr val="tx1"/>
+                </a:solidFill>
+                <a:effectLst/>
+                <a:latin typeface="+mn-lt"/>
+                <a:ea typeface="+mn-ea"/>
+                <a:cs typeface="+mn-cs"/>
+              </a:rPr>
+              <a:t>Now we automated created of a resource group and Azure Web App.</a:t>
+            </a:r>
+          </a:p>
+          <a:p>
+            <a:pPr marL="228600" indent="-228600">
+              <a:buFont typeface="+mj-lt"/>
+              <a:buAutoNum type="arabicPeriod"/>
+            </a:pPr>
+            <a:endParaRPr lang="en-US" sz="1200" b="0" i="0" kern="1200" dirty="0">
+              <a:solidFill>
+                <a:schemeClr val="tx1"/>
+              </a:solidFill>
+              <a:effectLst/>
+              <a:latin typeface="+mn-lt"/>
+              <a:ea typeface="+mn-ea"/>
+              <a:cs typeface="+mn-cs"/>
+            </a:endParaRPr>
+          </a:p>
+          <a:p>
+            <a:r>
+              <a:rPr lang="en-US" sz="1200" b="0" i="0" kern="1200" dirty="0">
+                <a:solidFill>
+                  <a:schemeClr val="tx1"/>
+                </a:solidFill>
+                <a:effectLst/>
+                <a:latin typeface="+mn-lt"/>
+                <a:ea typeface="+mn-ea"/>
+                <a:cs typeface="+mn-cs"/>
+              </a:rPr>
+              <a:t>Remove the Azure Web App</a:t>
+            </a:r>
+          </a:p>
+          <a:p>
+            <a:endParaRPr lang="en-US" sz="1200" b="0" i="0" kern="1200" dirty="0">
+              <a:solidFill>
+                <a:schemeClr val="tx1"/>
+              </a:solidFill>
+              <a:effectLst/>
+              <a:latin typeface="+mn-lt"/>
+              <a:ea typeface="+mn-ea"/>
+              <a:cs typeface="+mn-cs"/>
+            </a:endParaRPr>
+          </a:p>
+          <a:p>
+            <a:pPr marL="228600" indent="-228600">
+              <a:buFont typeface="+mj-lt"/>
+              <a:buAutoNum type="arabicPeriod"/>
+            </a:pPr>
+            <a:r>
+              <a:rPr lang="en-US" sz="1200" b="0" i="0" kern="1200" dirty="0">
+                <a:solidFill>
+                  <a:schemeClr val="tx1"/>
+                </a:solidFill>
+                <a:effectLst/>
+                <a:latin typeface="+mn-lt"/>
+                <a:ea typeface="+mn-ea"/>
+                <a:cs typeface="+mn-cs"/>
+              </a:rPr>
+              <a:t>Now that we have the environment being created we also want to remove it after creation to minimize costs.</a:t>
+            </a:r>
+          </a:p>
+          <a:p>
+            <a:pPr marL="228600" indent="-228600">
+              <a:buFont typeface="+mj-lt"/>
+              <a:buAutoNum type="arabicPeriod"/>
+            </a:pPr>
+            <a:r>
+              <a:rPr lang="en-US" sz="1200" b="0" i="0" kern="1200" dirty="0">
+                <a:solidFill>
+                  <a:schemeClr val="tx1"/>
+                </a:solidFill>
+                <a:effectLst/>
+                <a:latin typeface="+mn-lt"/>
+                <a:ea typeface="+mn-ea"/>
+                <a:cs typeface="+mn-cs"/>
+              </a:rPr>
+              <a:t>Add another Azure CLI Task to the pipeline</a:t>
+            </a:r>
+          </a:p>
+          <a:p>
+            <a:pPr marL="228600" indent="-228600">
+              <a:buFont typeface="+mj-lt"/>
+              <a:buAutoNum type="arabicPeriod"/>
+            </a:pPr>
+            <a:r>
+              <a:rPr lang="en-US" sz="1200" b="0" i="0" kern="1200" dirty="0">
+                <a:solidFill>
+                  <a:schemeClr val="tx1"/>
+                </a:solidFill>
+                <a:effectLst/>
+                <a:latin typeface="+mn-lt"/>
+                <a:ea typeface="+mn-ea"/>
+                <a:cs typeface="+mn-cs"/>
+              </a:rPr>
+              <a:t>Configure the task to run the "DeleteResourceGroup.bat" file. This contains the following script.</a:t>
+            </a:r>
+          </a:p>
+          <a:p>
+            <a:pPr marL="228600" indent="-228600">
+              <a:buFont typeface="+mj-lt"/>
+              <a:buAutoNum type="arabicPeriod"/>
+            </a:pPr>
+            <a:r>
+              <a:rPr lang="en-US" dirty="0"/>
+              <a:t>REM delete resource group call </a:t>
+            </a:r>
+            <a:r>
+              <a:rPr lang="en-US" dirty="0" err="1"/>
+              <a:t>az</a:t>
+            </a:r>
+            <a:r>
+              <a:rPr lang="en-US" dirty="0"/>
+              <a:t> group delete --name "</a:t>
+            </a:r>
+            <a:r>
+              <a:rPr lang="en-US" dirty="0" err="1"/>
+              <a:t>xjg-rg-sampleapp</a:t>
+            </a:r>
+            <a:r>
+              <a:rPr lang="en-US" dirty="0"/>
+              <a:t>" --yes </a:t>
+            </a:r>
+          </a:p>
+          <a:p>
+            <a:pPr marL="228600" indent="-228600">
+              <a:buFont typeface="+mj-lt"/>
+              <a:buAutoNum type="arabicPeriod"/>
+            </a:pPr>
+            <a:endParaRPr lang="en-US" sz="1200" b="1" i="0" kern="1200" dirty="0">
+              <a:solidFill>
+                <a:schemeClr val="tx1"/>
+              </a:solidFill>
+              <a:effectLst/>
+              <a:latin typeface="+mn-lt"/>
+              <a:ea typeface="+mn-ea"/>
+              <a:cs typeface="+mn-cs"/>
+            </a:endParaRPr>
+          </a:p>
+          <a:p>
+            <a:pPr marL="0" indent="0">
+              <a:buFont typeface="+mj-lt"/>
+              <a:buNone/>
+            </a:pPr>
+            <a:r>
+              <a:rPr lang="en-US" sz="1200" b="1" i="0" kern="1200" dirty="0">
+                <a:solidFill>
+                  <a:schemeClr val="tx1"/>
+                </a:solidFill>
+                <a:effectLst/>
+                <a:latin typeface="+mn-lt"/>
+                <a:ea typeface="+mn-ea"/>
+                <a:cs typeface="+mn-cs"/>
+              </a:rPr>
+              <a:t>Note:</a:t>
+            </a:r>
+            <a:r>
+              <a:rPr lang="en-US" sz="1200" b="0" i="0" kern="1200" dirty="0">
+                <a:solidFill>
+                  <a:schemeClr val="tx1"/>
+                </a:solidFill>
+                <a:effectLst/>
+                <a:latin typeface="+mn-lt"/>
+                <a:ea typeface="+mn-ea"/>
+                <a:cs typeface="+mn-cs"/>
+              </a:rPr>
+              <a:t> When the Replace Tokens script runs the variables in this script are also replace while we target ALL *.bat files there. If you specify a specific script there you need to do it twice.</a:t>
+            </a:r>
+          </a:p>
+          <a:p>
+            <a:pPr marL="0" indent="0">
+              <a:buFont typeface="+mj-lt"/>
+              <a:buNone/>
+            </a:pPr>
+            <a:endParaRPr lang="en-US" sz="1200" b="0" i="0" kern="1200" dirty="0">
+              <a:solidFill>
+                <a:schemeClr val="tx1"/>
+              </a:solidFill>
+              <a:effectLst/>
+              <a:latin typeface="+mn-lt"/>
+              <a:ea typeface="+mn-ea"/>
+              <a:cs typeface="+mn-cs"/>
+            </a:endParaRPr>
+          </a:p>
+          <a:p>
+            <a:r>
+              <a:rPr lang="en-US" sz="1200" b="0" i="0" kern="1200" dirty="0">
+                <a:solidFill>
+                  <a:schemeClr val="tx1"/>
+                </a:solidFill>
+                <a:effectLst/>
+                <a:latin typeface="+mn-lt"/>
+                <a:ea typeface="+mn-ea"/>
+                <a:cs typeface="+mn-cs"/>
+              </a:rPr>
+              <a:t>Run your Release</a:t>
+            </a:r>
+          </a:p>
+          <a:p>
+            <a:endParaRPr lang="en-US" sz="1200" b="0" i="0" kern="1200" dirty="0">
+              <a:solidFill>
+                <a:schemeClr val="tx1"/>
+              </a:solidFill>
+              <a:effectLst/>
+              <a:latin typeface="+mn-lt"/>
+              <a:ea typeface="+mn-ea"/>
+              <a:cs typeface="+mn-cs"/>
+            </a:endParaRPr>
+          </a:p>
+          <a:p>
+            <a:pPr marL="228600" indent="-228600">
+              <a:buFont typeface="+mj-lt"/>
+              <a:buAutoNum type="arabicPeriod"/>
+            </a:pPr>
+            <a:r>
+              <a:rPr lang="en-US" sz="1200" b="0" i="0" kern="1200" dirty="0">
+                <a:solidFill>
+                  <a:schemeClr val="tx1"/>
+                </a:solidFill>
+                <a:effectLst/>
+                <a:latin typeface="+mn-lt"/>
+                <a:ea typeface="+mn-ea"/>
+                <a:cs typeface="+mn-cs"/>
+              </a:rPr>
+              <a:t>You have now prepared your release to create the needed Azure Resources, deploy your application and remove it and its resources after creation.</a:t>
+            </a:r>
+          </a:p>
+          <a:p>
+            <a:pPr marL="228600" indent="-228600">
+              <a:buFont typeface="+mj-lt"/>
+              <a:buAutoNum type="arabicPeriod"/>
+            </a:pPr>
+            <a:r>
+              <a:rPr lang="en-US" sz="1200" b="0" i="0" kern="1200" dirty="0">
+                <a:solidFill>
+                  <a:schemeClr val="tx1"/>
+                </a:solidFill>
+                <a:effectLst/>
+                <a:latin typeface="+mn-lt"/>
+                <a:ea typeface="+mn-ea"/>
+                <a:cs typeface="+mn-cs"/>
+              </a:rPr>
+              <a:t>Queue a new release to see if your release runs.</a:t>
+            </a:r>
+          </a:p>
+          <a:p>
+            <a:pPr marL="228600" indent="-228600">
+              <a:buFont typeface="+mj-lt"/>
+              <a:buAutoNum type="arabicPeriod"/>
+            </a:pPr>
+            <a:r>
+              <a:rPr lang="en-US" sz="1200" b="0" i="0" kern="1200" dirty="0">
+                <a:solidFill>
+                  <a:schemeClr val="tx1"/>
+                </a:solidFill>
+                <a:effectLst/>
+                <a:latin typeface="+mn-lt"/>
+                <a:ea typeface="+mn-ea"/>
+                <a:cs typeface="+mn-cs"/>
+              </a:rPr>
+              <a:t>Validate if your CI/CD pipeline is correctly configured by validating if a build runs after a code change, and after successful build, a release is being executed.</a:t>
+            </a:r>
+          </a:p>
+          <a:p>
+            <a:pPr marL="0" indent="0">
+              <a:buFont typeface="+mj-lt"/>
+              <a:buNone/>
+            </a:pPr>
+            <a:endParaRPr lang="en-US" sz="1200" b="0" i="0" kern="1200" dirty="0">
+              <a:solidFill>
+                <a:schemeClr val="tx1"/>
+              </a:solidFill>
+              <a:effectLst/>
+              <a:latin typeface="+mn-lt"/>
+              <a:ea typeface="+mn-ea"/>
+              <a:cs typeface="+mn-cs"/>
+            </a:endParaRPr>
+          </a:p>
+          <a:p>
+            <a:pPr marL="0" indent="0">
+              <a:buFont typeface="+mj-lt"/>
+              <a:buNone/>
+            </a:pPr>
+            <a:endParaRPr lang="en-US" sz="1200" b="0" i="0" kern="1200" dirty="0">
+              <a:solidFill>
+                <a:schemeClr val="tx1"/>
+              </a:solidFill>
+              <a:effectLst/>
+              <a:latin typeface="+mn-lt"/>
+              <a:ea typeface="+mn-ea"/>
+              <a:cs typeface="+mn-cs"/>
+            </a:endParaRPr>
+          </a:p>
+          <a:p>
+            <a:endParaRPr lang="en-US" sz="1200" b="0" i="0" kern="1200" dirty="0">
+              <a:solidFill>
+                <a:schemeClr val="tx1"/>
+              </a:solidFill>
+              <a:effectLst/>
+              <a:latin typeface="+mn-lt"/>
+              <a:ea typeface="+mn-ea"/>
+              <a:cs typeface="+mn-cs"/>
+            </a:endParaRPr>
+          </a:p>
+          <a:p>
+            <a:endParaRPr lang="en-US" dirty="0"/>
+          </a:p>
+        </p:txBody>
+      </p:sp>
+      <p:sp>
+        <p:nvSpPr>
+          <p:cNvPr id="4" name="Slide Number Placeholder 3"/>
+          <p:cNvSpPr>
+            <a:spLocks noGrp="1"/>
+          </p:cNvSpPr>
+          <p:nvPr>
+            <p:ph type="sldNum" sz="quarter" idx="10"/>
+          </p:nvPr>
+        </p:nvSpPr>
+        <p:spPr/>
+        <p:txBody>
+          <a:bodyPr/>
+          <a:lstStyle/>
+          <a:p>
+            <a:fld id="{1112285D-B62D-0345-9A0E-5D91D31CA9B6}" type="slidenum">
+              <a:rPr lang="en-US" smtClean="0"/>
+              <a:t>12</a:t>
+            </a:fld>
+            <a:endParaRPr lang="en-US"/>
+          </a:p>
+        </p:txBody>
+      </p:sp>
+    </p:spTree>
+    <p:extLst>
+      <p:ext uri="{BB962C8B-B14F-4D97-AF65-F5344CB8AC3E}">
+        <p14:creationId xmlns:p14="http://schemas.microsoft.com/office/powerpoint/2010/main" val="453665505"/>
       </p:ext>
     </p:extLst>
   </p:cSld>

--- a/Challenges.pptx
+++ b/Challenges.pptx
@@ -241,7 +241,7 @@
           <a:p>
             <a:fld id="{BE1B5227-671A-4331-BA8E-6A194D65408B}" type="datetimeFigureOut">
               <a:rPr lang="en-US" smtClean="0"/>
-              <a:t>6/12/2018</a:t>
+              <a:t>6/13/2018</a:t>
             </a:fld>
             <a:endParaRPr lang="en-US"/>
           </a:p>
@@ -1489,6 +1489,1868 @@
 </p:notes>
 </file>
 
+<file path=ppt/notesSlides/notesSlide10.xml><?xml version="1.0" encoding="utf-8"?>
+<p:notes xmlns:a="http://schemas.openxmlformats.org/drawingml/2006/main" xmlns:r="http://schemas.openxmlformats.org/officeDocument/2006/relationships" xmlns:p="http://schemas.openxmlformats.org/presentationml/2006/main">
+  <p:cSld>
+    <p:spTree>
+      <p:nvGrpSpPr>
+        <p:cNvPr id="1" name=""/>
+        <p:cNvGrpSpPr/>
+        <p:nvPr/>
+      </p:nvGrpSpPr>
+      <p:grpSpPr>
+        <a:xfrm>
+          <a:off x="0" y="0"/>
+          <a:ext cx="0" cy="0"/>
+          <a:chOff x="0" y="0"/>
+          <a:chExt cx="0" cy="0"/>
+        </a:xfrm>
+      </p:grpSpPr>
+      <p:sp>
+        <p:nvSpPr>
+          <p:cNvPr id="2" name="Slide Image Placeholder 1"/>
+          <p:cNvSpPr>
+            <a:spLocks noGrp="1" noRot="1" noChangeAspect="1"/>
+          </p:cNvSpPr>
+          <p:nvPr>
+            <p:ph type="sldImg"/>
+          </p:nvPr>
+        </p:nvSpPr>
+        <p:spPr/>
+      </p:sp>
+      <p:sp>
+        <p:nvSpPr>
+          <p:cNvPr id="3" name="Notes Placeholder 2"/>
+          <p:cNvSpPr>
+            <a:spLocks noGrp="1"/>
+          </p:cNvSpPr>
+          <p:nvPr>
+            <p:ph type="body" idx="1"/>
+          </p:nvPr>
+        </p:nvSpPr>
+        <p:spPr/>
+        <p:txBody>
+          <a:bodyPr/>
+          <a:lstStyle/>
+          <a:p>
+            <a:r>
+              <a:rPr lang="en-US" sz="1200" b="0" i="0" kern="1200" dirty="0">
+                <a:solidFill>
+                  <a:schemeClr val="tx1"/>
+                </a:solidFill>
+                <a:effectLst/>
+                <a:latin typeface="+mn-lt"/>
+                <a:ea typeface="+mn-ea"/>
+                <a:cs typeface="+mn-cs"/>
+              </a:rPr>
+              <a:t>Setup Service Principal</a:t>
+            </a:r>
+          </a:p>
+          <a:p>
+            <a:endParaRPr lang="en-US" sz="1200" b="0" i="0" kern="1200" dirty="0">
+              <a:solidFill>
+                <a:schemeClr val="tx1"/>
+              </a:solidFill>
+              <a:effectLst/>
+              <a:latin typeface="+mn-lt"/>
+              <a:ea typeface="+mn-ea"/>
+              <a:cs typeface="+mn-cs"/>
+            </a:endParaRPr>
+          </a:p>
+          <a:p>
+            <a:pPr marL="228600" indent="-228600">
+              <a:buFont typeface="+mj-lt"/>
+              <a:buAutoNum type="arabicPeriod"/>
+            </a:pPr>
+            <a:r>
+              <a:rPr lang="en-US" sz="1200" b="0" i="0" kern="1200" dirty="0">
+                <a:solidFill>
+                  <a:schemeClr val="tx1"/>
+                </a:solidFill>
+                <a:effectLst/>
+                <a:latin typeface="+mn-lt"/>
+                <a:ea typeface="+mn-ea"/>
+                <a:cs typeface="+mn-cs"/>
+              </a:rPr>
+              <a:t>Navigate to the Azure Portal</a:t>
+            </a:r>
+          </a:p>
+          <a:p>
+            <a:pPr marL="228600" indent="-228600">
+              <a:buFont typeface="+mj-lt"/>
+              <a:buAutoNum type="arabicPeriod"/>
+            </a:pPr>
+            <a:r>
+              <a:rPr lang="en-US" sz="1200" b="0" i="0" kern="1200" dirty="0">
+                <a:solidFill>
+                  <a:schemeClr val="tx1"/>
+                </a:solidFill>
+                <a:effectLst/>
+                <a:latin typeface="+mn-lt"/>
+                <a:ea typeface="+mn-ea"/>
+                <a:cs typeface="+mn-cs"/>
+              </a:rPr>
+              <a:t>Login to the subscription (if not already) with the Team admin account</a:t>
+            </a:r>
+          </a:p>
+          <a:p>
+            <a:pPr marL="228600" indent="-228600">
+              <a:buFont typeface="+mj-lt"/>
+              <a:buAutoNum type="arabicPeriod"/>
+            </a:pPr>
+            <a:r>
+              <a:rPr lang="en-US" sz="1200" b="0" i="0" kern="1200" dirty="0">
+                <a:solidFill>
+                  <a:schemeClr val="tx1"/>
+                </a:solidFill>
+                <a:effectLst/>
+                <a:latin typeface="+mn-lt"/>
+                <a:ea typeface="+mn-ea"/>
+                <a:cs typeface="+mn-cs"/>
+              </a:rPr>
+              <a:t>Navigate to the "Azure Active Directory"</a:t>
+            </a:r>
+          </a:p>
+          <a:p>
+            <a:pPr marL="228600" indent="-228600">
+              <a:buFont typeface="+mj-lt"/>
+              <a:buAutoNum type="arabicPeriod"/>
+            </a:pPr>
+            <a:r>
+              <a:rPr lang="en-US" sz="1200" b="0" i="0" kern="1200" dirty="0">
+                <a:solidFill>
+                  <a:schemeClr val="tx1"/>
+                </a:solidFill>
+                <a:effectLst/>
+                <a:latin typeface="+mn-lt"/>
+                <a:ea typeface="+mn-ea"/>
+                <a:cs typeface="+mn-cs"/>
+              </a:rPr>
+              <a:t>Click "App registrations" and then "New application registration"</a:t>
+            </a:r>
+            <a:endParaRPr lang="en-US" dirty="0"/>
+          </a:p>
+          <a:p>
+            <a:pPr marL="228600" indent="-228600">
+              <a:buFont typeface="+mj-lt"/>
+              <a:buAutoNum type="arabicPeriod"/>
+            </a:pPr>
+            <a:r>
+              <a:rPr lang="en-US" sz="1200" b="0" i="0" kern="1200" dirty="0">
+                <a:solidFill>
+                  <a:schemeClr val="tx1"/>
+                </a:solidFill>
+                <a:effectLst/>
+                <a:latin typeface="+mn-lt"/>
+                <a:ea typeface="+mn-ea"/>
+                <a:cs typeface="+mn-cs"/>
+              </a:rPr>
+              <a:t>Enter a name [GDBC-</a:t>
+            </a:r>
+            <a:r>
+              <a:rPr lang="en-US" sz="1200" b="0" i="0" kern="1200" dirty="0" err="1">
+                <a:solidFill>
+                  <a:schemeClr val="tx1"/>
+                </a:solidFill>
+                <a:effectLst/>
+                <a:latin typeface="+mn-lt"/>
+                <a:ea typeface="+mn-ea"/>
+                <a:cs typeface="+mn-cs"/>
+              </a:rPr>
+              <a:t>AutomateSPN</a:t>
+            </a:r>
+            <a:r>
+              <a:rPr lang="en-US" sz="1200" b="0" i="0" kern="1200" dirty="0">
+                <a:solidFill>
+                  <a:schemeClr val="tx1"/>
+                </a:solidFill>
+                <a:effectLst/>
+                <a:latin typeface="+mn-lt"/>
+                <a:ea typeface="+mn-ea"/>
+                <a:cs typeface="+mn-cs"/>
+              </a:rPr>
+              <a:t>-</a:t>
+            </a:r>
+            <a:r>
+              <a:rPr lang="en-US" sz="1200" b="0" i="0" kern="1200" dirty="0" err="1">
+                <a:solidFill>
+                  <a:schemeClr val="tx1"/>
+                </a:solidFill>
+                <a:effectLst/>
+                <a:latin typeface="+mn-lt"/>
+                <a:ea typeface="+mn-ea"/>
+                <a:cs typeface="+mn-cs"/>
+              </a:rPr>
+              <a:t>Teamname</a:t>
+            </a:r>
+            <a:r>
+              <a:rPr lang="en-US" sz="1200" b="0" i="0" kern="1200" dirty="0">
+                <a:solidFill>
+                  <a:schemeClr val="tx1"/>
+                </a:solidFill>
+                <a:effectLst/>
+                <a:latin typeface="+mn-lt"/>
+                <a:ea typeface="+mn-ea"/>
+                <a:cs typeface="+mn-cs"/>
+              </a:rPr>
+              <a:t>] and the url "</a:t>
+            </a:r>
+            <a:r>
+              <a:rPr lang="en-US" sz="1200" b="0" i="0" u="none" strike="noStrike" kern="1200" dirty="0">
+                <a:solidFill>
+                  <a:schemeClr val="tx1"/>
+                </a:solidFill>
+                <a:effectLst/>
+                <a:latin typeface="+mn-lt"/>
+                <a:ea typeface="+mn-ea"/>
+                <a:cs typeface="+mn-cs"/>
+                <a:hlinkClick r:id="rId3"/>
+              </a:rPr>
+              <a:t>http://localhost</a:t>
+            </a:r>
+            <a:r>
+              <a:rPr lang="en-US" sz="1200" b="0" i="0" kern="1200" dirty="0">
+                <a:solidFill>
+                  <a:schemeClr val="tx1"/>
+                </a:solidFill>
+                <a:effectLst/>
+                <a:latin typeface="+mn-lt"/>
+                <a:ea typeface="+mn-ea"/>
+                <a:cs typeface="+mn-cs"/>
+              </a:rPr>
+              <a:t> "</a:t>
+            </a:r>
+          </a:p>
+          <a:p>
+            <a:pPr marL="228600" indent="-228600">
+              <a:buFont typeface="+mj-lt"/>
+              <a:buAutoNum type="arabicPeriod"/>
+            </a:pPr>
+            <a:r>
+              <a:rPr lang="en-US" sz="1200" b="0" i="0" kern="1200" dirty="0">
+                <a:solidFill>
+                  <a:schemeClr val="tx1"/>
+                </a:solidFill>
+                <a:effectLst/>
+                <a:latin typeface="+mn-lt"/>
+                <a:ea typeface="+mn-ea"/>
+                <a:cs typeface="+mn-cs"/>
+              </a:rPr>
+              <a:t>Add permissions for the SPN for the "Graph API"</a:t>
+            </a:r>
+          </a:p>
+          <a:p>
+            <a:pPr marL="228600" indent="-228600">
+              <a:buFont typeface="+mj-lt"/>
+              <a:buAutoNum type="arabicPeriod"/>
+            </a:pPr>
+            <a:r>
+              <a:rPr lang="en-US" sz="1200" b="0" i="0" kern="1200" dirty="0">
+                <a:solidFill>
+                  <a:schemeClr val="tx1"/>
+                </a:solidFill>
+                <a:effectLst/>
+                <a:latin typeface="+mn-lt"/>
+                <a:ea typeface="+mn-ea"/>
+                <a:cs typeface="+mn-cs"/>
+              </a:rPr>
+              <a:t>Select both permission groups "Application Permissions" and "Delegated Permissions"</a:t>
+            </a:r>
+          </a:p>
+          <a:p>
+            <a:pPr marL="228600" indent="-228600">
+              <a:buFont typeface="+mj-lt"/>
+              <a:buAutoNum type="arabicPeriod"/>
+            </a:pPr>
+            <a:r>
+              <a:rPr lang="en-US" sz="1200" b="0" i="0" kern="1200" dirty="0">
+                <a:solidFill>
+                  <a:schemeClr val="tx1"/>
+                </a:solidFill>
+                <a:effectLst/>
+                <a:latin typeface="+mn-lt"/>
+                <a:ea typeface="+mn-ea"/>
+                <a:cs typeface="+mn-cs"/>
+              </a:rPr>
+              <a:t>Confirm by clicking "Done"</a:t>
+            </a:r>
+          </a:p>
+          <a:p>
+            <a:pPr marL="228600" indent="-228600">
+              <a:buFont typeface="+mj-lt"/>
+              <a:buAutoNum type="arabicPeriod"/>
+            </a:pPr>
+            <a:r>
+              <a:rPr lang="en-US" sz="1200" b="0" i="0" kern="1200" dirty="0">
+                <a:solidFill>
+                  <a:schemeClr val="tx1"/>
+                </a:solidFill>
+                <a:effectLst/>
+                <a:latin typeface="+mn-lt"/>
+                <a:ea typeface="+mn-ea"/>
+                <a:cs typeface="+mn-cs"/>
+              </a:rPr>
+              <a:t>Add a key</a:t>
+            </a:r>
+          </a:p>
+          <a:p>
+            <a:pPr marL="228600" indent="-228600">
+              <a:buFont typeface="+mj-lt"/>
+              <a:buAutoNum type="arabicPeriod"/>
+            </a:pPr>
+            <a:r>
+              <a:rPr lang="en-US" sz="1200" b="0" i="0" kern="1200" dirty="0">
+                <a:solidFill>
+                  <a:schemeClr val="tx1"/>
+                </a:solidFill>
+                <a:effectLst/>
+                <a:latin typeface="+mn-lt"/>
+                <a:ea typeface="+mn-ea"/>
+                <a:cs typeface="+mn-cs"/>
+              </a:rPr>
+              <a:t>Copy the value generated, store this for later usage!</a:t>
+            </a:r>
+          </a:p>
+          <a:p>
+            <a:pPr marL="228600" indent="-228600">
+              <a:buFont typeface="+mj-lt"/>
+              <a:buAutoNum type="arabicPeriod"/>
+            </a:pPr>
+            <a:r>
+              <a:rPr lang="en-US" sz="1200" b="0" i="0" kern="1200" dirty="0">
+                <a:solidFill>
+                  <a:schemeClr val="tx1"/>
+                </a:solidFill>
+                <a:effectLst/>
+                <a:latin typeface="+mn-lt"/>
+                <a:ea typeface="+mn-ea"/>
+                <a:cs typeface="+mn-cs"/>
+              </a:rPr>
+              <a:t>Write down and store the following items:</a:t>
+            </a:r>
+          </a:p>
+          <a:p>
+            <a:pPr marL="685800" lvl="1" indent="-228600">
+              <a:buFont typeface="+mj-lt"/>
+              <a:buAutoNum type="arabicPeriod"/>
+            </a:pPr>
+            <a:r>
+              <a:rPr lang="en-US" sz="1200" b="0" i="0" kern="1200" dirty="0">
+                <a:solidFill>
+                  <a:schemeClr val="tx1"/>
+                </a:solidFill>
+                <a:effectLst/>
+                <a:latin typeface="+mn-lt"/>
+                <a:ea typeface="+mn-ea"/>
+                <a:cs typeface="+mn-cs"/>
+              </a:rPr>
+              <a:t>Application Name</a:t>
+            </a:r>
+          </a:p>
+          <a:p>
+            <a:pPr marL="685800" lvl="1" indent="-228600">
+              <a:buFont typeface="+mj-lt"/>
+              <a:buAutoNum type="arabicPeriod"/>
+            </a:pPr>
+            <a:r>
+              <a:rPr lang="en-US" sz="1200" b="0" i="0" kern="1200" dirty="0">
+                <a:solidFill>
+                  <a:schemeClr val="tx1"/>
+                </a:solidFill>
+                <a:effectLst/>
+                <a:latin typeface="+mn-lt"/>
+                <a:ea typeface="+mn-ea"/>
+                <a:cs typeface="+mn-cs"/>
+              </a:rPr>
+              <a:t>Application ID</a:t>
+            </a:r>
+          </a:p>
+          <a:p>
+            <a:pPr marL="685800" lvl="1" indent="-228600">
+              <a:buFont typeface="+mj-lt"/>
+              <a:buAutoNum type="arabicPeriod"/>
+            </a:pPr>
+            <a:r>
+              <a:rPr lang="en-US" sz="1200" b="0" i="0" kern="1200" dirty="0">
+                <a:solidFill>
+                  <a:schemeClr val="tx1"/>
+                </a:solidFill>
+                <a:effectLst/>
+                <a:latin typeface="+mn-lt"/>
+                <a:ea typeface="+mn-ea"/>
+                <a:cs typeface="+mn-cs"/>
+              </a:rPr>
+              <a:t>Object ID</a:t>
+            </a:r>
+          </a:p>
+          <a:p>
+            <a:pPr marL="685800" lvl="1" indent="-228600">
+              <a:buFont typeface="+mj-lt"/>
+              <a:buAutoNum type="arabicPeriod"/>
+            </a:pPr>
+            <a:r>
+              <a:rPr lang="en-US" sz="1200" b="0" i="0" kern="1200" dirty="0">
+                <a:solidFill>
+                  <a:schemeClr val="tx1"/>
+                </a:solidFill>
+                <a:effectLst/>
+                <a:latin typeface="+mn-lt"/>
+                <a:ea typeface="+mn-ea"/>
+                <a:cs typeface="+mn-cs"/>
+              </a:rPr>
+              <a:t>Generate Key (step 9)</a:t>
+            </a:r>
+          </a:p>
+          <a:p>
+            <a:pPr marL="228600" indent="-228600">
+              <a:buFont typeface="+mj-lt"/>
+              <a:buAutoNum type="arabicPeriod"/>
+            </a:pPr>
+            <a:r>
+              <a:rPr lang="en-US" sz="1200" b="0" i="0" kern="1200" dirty="0">
+                <a:solidFill>
+                  <a:schemeClr val="tx1"/>
+                </a:solidFill>
+                <a:effectLst/>
+                <a:latin typeface="+mn-lt"/>
+                <a:ea typeface="+mn-ea"/>
+                <a:cs typeface="+mn-cs"/>
+              </a:rPr>
+              <a:t>Open a </a:t>
+            </a:r>
+            <a:r>
+              <a:rPr lang="en-US" sz="1200" b="0" i="0" kern="1200" dirty="0" err="1">
+                <a:solidFill>
+                  <a:schemeClr val="tx1"/>
+                </a:solidFill>
+                <a:effectLst/>
+                <a:latin typeface="+mn-lt"/>
+                <a:ea typeface="+mn-ea"/>
+                <a:cs typeface="+mn-cs"/>
+              </a:rPr>
+              <a:t>powershell</a:t>
+            </a:r>
+            <a:r>
+              <a:rPr lang="en-US" sz="1200" b="0" i="0" kern="1200" dirty="0">
+                <a:solidFill>
+                  <a:schemeClr val="tx1"/>
+                </a:solidFill>
+                <a:effectLst/>
+                <a:latin typeface="+mn-lt"/>
+                <a:ea typeface="+mn-ea"/>
+                <a:cs typeface="+mn-cs"/>
+              </a:rPr>
+              <a:t> window, login as Team admin G-</a:t>
+            </a:r>
+            <a:r>
+              <a:rPr lang="en-US" sz="1200" b="0" i="0" kern="1200" dirty="0" err="1">
+                <a:solidFill>
+                  <a:schemeClr val="tx1"/>
+                </a:solidFill>
+                <a:effectLst/>
+                <a:latin typeface="+mn-lt"/>
+                <a:ea typeface="+mn-ea"/>
+                <a:cs typeface="+mn-cs"/>
+              </a:rPr>
+              <a:t>venuename</a:t>
+            </a:r>
+            <a:r>
+              <a:rPr lang="en-US" sz="1200" b="0" i="0" kern="1200" dirty="0">
+                <a:solidFill>
+                  <a:schemeClr val="tx1"/>
+                </a:solidFill>
+                <a:effectLst/>
+                <a:latin typeface="+mn-lt"/>
+                <a:ea typeface="+mn-ea"/>
+                <a:cs typeface="+mn-cs"/>
+              </a:rPr>
+              <a:t>-Admin</a:t>
+            </a:r>
+          </a:p>
+          <a:p>
+            <a:pPr marL="685800" lvl="1" indent="-228600">
+              <a:buFont typeface="+mj-lt"/>
+              <a:buAutoNum type="arabicPeriod"/>
+            </a:pPr>
+            <a:r>
+              <a:rPr lang="en-US" dirty="0"/>
+              <a:t>Login-</a:t>
+            </a:r>
+            <a:r>
+              <a:rPr lang="en-US" dirty="0" err="1"/>
+              <a:t>AzureRMAccount</a:t>
+            </a:r>
+            <a:r>
+              <a:rPr lang="en-US" dirty="0"/>
+              <a:t> </a:t>
+            </a:r>
+          </a:p>
+          <a:p>
+            <a:pPr marL="228600" lvl="0" indent="-228600">
+              <a:buFont typeface="+mj-lt"/>
+              <a:buAutoNum type="arabicPeriod"/>
+            </a:pPr>
+            <a:r>
+              <a:rPr lang="en-US" sz="1200" b="0" i="0" kern="1200" dirty="0">
+                <a:solidFill>
+                  <a:schemeClr val="tx1"/>
+                </a:solidFill>
+                <a:effectLst/>
+                <a:latin typeface="+mn-lt"/>
+                <a:ea typeface="+mn-ea"/>
+                <a:cs typeface="+mn-cs"/>
+              </a:rPr>
+              <a:t>Get the Subscription ID. Run</a:t>
+            </a:r>
+          </a:p>
+          <a:p>
+            <a:pPr marL="685800" lvl="1" indent="-228600">
+              <a:buFont typeface="+mj-lt"/>
+              <a:buAutoNum type="arabicPeriod"/>
+            </a:pPr>
+            <a:r>
+              <a:rPr lang="en-US" dirty="0"/>
+              <a:t>Get-</a:t>
+            </a:r>
+            <a:r>
+              <a:rPr lang="en-US" dirty="0" err="1"/>
+              <a:t>Azurermsubscription</a:t>
+            </a:r>
+            <a:r>
+              <a:rPr lang="en-US" dirty="0"/>
+              <a:t> </a:t>
+            </a:r>
+          </a:p>
+          <a:p>
+            <a:pPr marL="228600" indent="-228600">
+              <a:buFont typeface="+mj-lt"/>
+              <a:buAutoNum type="arabicPeriod"/>
+            </a:pPr>
+            <a:r>
+              <a:rPr lang="en-US" sz="1200" b="0" i="0" kern="1200" dirty="0">
+                <a:solidFill>
+                  <a:schemeClr val="tx1"/>
+                </a:solidFill>
+                <a:effectLst/>
+                <a:latin typeface="+mn-lt"/>
+                <a:ea typeface="+mn-ea"/>
+                <a:cs typeface="+mn-cs"/>
+              </a:rPr>
+              <a:t>If you see more than one subscription, ask the venue proctor which one to use (likely Azure Pass) and copy the Subscription ID.</a:t>
+            </a:r>
+          </a:p>
+          <a:p>
+            <a:pPr marL="228600" indent="-228600">
+              <a:buFont typeface="+mj-lt"/>
+              <a:buAutoNum type="arabicPeriod"/>
+            </a:pPr>
+            <a:r>
+              <a:rPr lang="en-US" sz="1200" b="0" i="0" kern="1200" dirty="0">
+                <a:solidFill>
+                  <a:schemeClr val="tx1"/>
+                </a:solidFill>
+                <a:effectLst/>
+                <a:latin typeface="+mn-lt"/>
+                <a:ea typeface="+mn-ea"/>
+                <a:cs typeface="+mn-cs"/>
+              </a:rPr>
+              <a:t>Run the CreateResourceGroupForSPN.ps1 script (attached to the </a:t>
+            </a:r>
+            <a:r>
+              <a:rPr lang="en-US" sz="1200" b="0" i="0" kern="1200" dirty="0" err="1">
+                <a:solidFill>
+                  <a:schemeClr val="tx1"/>
+                </a:solidFill>
+                <a:effectLst/>
+                <a:latin typeface="+mn-lt"/>
+                <a:ea typeface="+mn-ea"/>
+                <a:cs typeface="+mn-cs"/>
+              </a:rPr>
+              <a:t>workitem</a:t>
+            </a:r>
+            <a:r>
+              <a:rPr lang="en-US" sz="1200" b="0" i="0" kern="1200" dirty="0">
+                <a:solidFill>
+                  <a:schemeClr val="tx1"/>
+                </a:solidFill>
+                <a:effectLst/>
+                <a:latin typeface="+mn-lt"/>
+                <a:ea typeface="+mn-ea"/>
+                <a:cs typeface="+mn-cs"/>
+              </a:rPr>
+              <a:t>)</a:t>
+            </a:r>
+          </a:p>
+          <a:p>
+            <a:pPr marL="685800" lvl="1" indent="-228600">
+              <a:buFont typeface="+mj-lt"/>
+              <a:buAutoNum type="arabicPeriod"/>
+            </a:pPr>
+            <a:r>
+              <a:rPr lang="en-US" dirty="0"/>
+              <a:t>.\CreateResourceGroupsforSPN.ps1 -</a:t>
+            </a:r>
+            <a:r>
+              <a:rPr lang="en-US" dirty="0" err="1"/>
+              <a:t>applicationName</a:t>
+            </a:r>
+            <a:r>
+              <a:rPr lang="en-US" dirty="0"/>
+              <a:t> </a:t>
+            </a:r>
+            <a:r>
+              <a:rPr lang="en-US" sz="1200" kern="1200" dirty="0">
+                <a:solidFill>
+                  <a:schemeClr val="tx1"/>
+                </a:solidFill>
+                <a:effectLst/>
+                <a:latin typeface="+mn-lt"/>
+                <a:ea typeface="+mn-ea"/>
+                <a:cs typeface="+mn-cs"/>
+              </a:rPr>
+              <a:t>"GDBC-</a:t>
+            </a:r>
+            <a:r>
+              <a:rPr lang="en-US" sz="1200" kern="1200" dirty="0" err="1">
+                <a:solidFill>
+                  <a:schemeClr val="tx1"/>
+                </a:solidFill>
+                <a:effectLst/>
+                <a:latin typeface="+mn-lt"/>
+                <a:ea typeface="+mn-ea"/>
+                <a:cs typeface="+mn-cs"/>
+              </a:rPr>
+              <a:t>AutomateSPN</a:t>
+            </a:r>
+            <a:r>
+              <a:rPr lang="en-US" sz="1200" kern="1200" dirty="0">
+                <a:solidFill>
+                  <a:schemeClr val="tx1"/>
+                </a:solidFill>
+                <a:effectLst/>
+                <a:latin typeface="+mn-lt"/>
+                <a:ea typeface="+mn-ea"/>
+                <a:cs typeface="+mn-cs"/>
+              </a:rPr>
+              <a:t>-</a:t>
+            </a:r>
+            <a:r>
+              <a:rPr lang="en-US" sz="1200" kern="1200" dirty="0" err="1">
+                <a:solidFill>
+                  <a:schemeClr val="tx1"/>
+                </a:solidFill>
+                <a:effectLst/>
+                <a:latin typeface="+mn-lt"/>
+                <a:ea typeface="+mn-ea"/>
+                <a:cs typeface="+mn-cs"/>
+              </a:rPr>
+              <a:t>Teamname</a:t>
+            </a:r>
+            <a:r>
+              <a:rPr lang="en-US" sz="1200" kern="1200" dirty="0">
+                <a:solidFill>
+                  <a:schemeClr val="tx1"/>
+                </a:solidFill>
+                <a:effectLst/>
+                <a:latin typeface="+mn-lt"/>
+                <a:ea typeface="+mn-ea"/>
+                <a:cs typeface="+mn-cs"/>
+              </a:rPr>
+              <a:t>"</a:t>
+            </a:r>
+            <a:r>
+              <a:rPr lang="en-US" dirty="0"/>
+              <a:t> -</a:t>
+            </a:r>
+            <a:r>
+              <a:rPr lang="en-US" dirty="0" err="1"/>
+              <a:t>subscriptionid</a:t>
+            </a:r>
+            <a:r>
+              <a:rPr lang="en-US" dirty="0"/>
+              <a:t> &lt;your subscription id&gt; -</a:t>
+            </a:r>
+            <a:r>
+              <a:rPr lang="en-US" dirty="0" err="1"/>
+              <a:t>resourcegroup</a:t>
+            </a:r>
+            <a:r>
+              <a:rPr lang="en-US" dirty="0"/>
+              <a:t> </a:t>
+            </a:r>
+            <a:r>
+              <a:rPr lang="en-US" sz="1200" kern="1200" dirty="0">
+                <a:solidFill>
+                  <a:schemeClr val="tx1"/>
+                </a:solidFill>
+                <a:effectLst/>
+                <a:latin typeface="+mn-lt"/>
+                <a:ea typeface="+mn-ea"/>
+                <a:cs typeface="+mn-cs"/>
+              </a:rPr>
+              <a:t>"&lt;your resource group name"</a:t>
+            </a:r>
+            <a:r>
+              <a:rPr lang="en-US" dirty="0"/>
+              <a:t> -location </a:t>
+            </a:r>
+            <a:r>
+              <a:rPr lang="en-US" sz="1200" kern="1200" dirty="0">
+                <a:solidFill>
+                  <a:schemeClr val="tx1"/>
+                </a:solidFill>
+                <a:effectLst/>
+                <a:latin typeface="+mn-lt"/>
+                <a:ea typeface="+mn-ea"/>
+                <a:cs typeface="+mn-cs"/>
+              </a:rPr>
+              <a:t>"location"</a:t>
+            </a:r>
+            <a:r>
+              <a:rPr lang="en-US" dirty="0"/>
+              <a:t> </a:t>
+            </a:r>
+          </a:p>
+          <a:p>
+            <a:pPr marL="685800" lvl="1" indent="-228600">
+              <a:buFont typeface="+mj-lt"/>
+              <a:buAutoNum type="arabicPeriod"/>
+            </a:pPr>
+            <a:r>
+              <a:rPr lang="en-US" sz="1200" b="0" i="0" kern="1200" dirty="0">
+                <a:solidFill>
+                  <a:schemeClr val="tx1"/>
+                </a:solidFill>
+                <a:effectLst/>
+                <a:latin typeface="+mn-lt"/>
+                <a:ea typeface="+mn-ea"/>
+                <a:cs typeface="+mn-cs"/>
+              </a:rPr>
+              <a:t>You created a resource group and granted rights to the SPN. This SPN you can use later in VSTS.</a:t>
+            </a:r>
+          </a:p>
+          <a:p>
+            <a:pPr marL="228600" indent="-228600">
+              <a:buFont typeface="+mj-lt"/>
+              <a:buAutoNum type="arabicPeriod"/>
+            </a:pPr>
+            <a:r>
+              <a:rPr lang="en-US" sz="1200" b="0" i="0" kern="1200" dirty="0">
+                <a:solidFill>
+                  <a:schemeClr val="tx1"/>
+                </a:solidFill>
+                <a:effectLst/>
+                <a:latin typeface="+mn-lt"/>
+                <a:ea typeface="+mn-ea"/>
+                <a:cs typeface="+mn-cs"/>
+              </a:rPr>
+              <a:t>To get the SPN application ID (later needed), run</a:t>
+            </a:r>
+          </a:p>
+          <a:p>
+            <a:pPr marL="685800" lvl="1" indent="-228600">
+              <a:buFont typeface="+mj-lt"/>
+              <a:buAutoNum type="arabicPeriod"/>
+            </a:pPr>
+            <a:r>
+              <a:rPr lang="en-US" dirty="0"/>
+              <a:t>Get-</a:t>
+            </a:r>
+            <a:r>
+              <a:rPr lang="en-US" dirty="0" err="1"/>
+              <a:t>AzureRmADApplication</a:t>
+            </a:r>
+            <a:r>
+              <a:rPr lang="en-US" dirty="0"/>
+              <a:t> -</a:t>
+            </a:r>
+            <a:r>
+              <a:rPr lang="en-US" dirty="0" err="1"/>
+              <a:t>DisplayNameStartWith</a:t>
+            </a:r>
+            <a:r>
+              <a:rPr lang="en-US" dirty="0"/>
+              <a:t> </a:t>
+            </a:r>
+            <a:r>
+              <a:rPr lang="en-US" sz="1200" kern="1200" dirty="0">
+                <a:solidFill>
+                  <a:schemeClr val="tx1"/>
+                </a:solidFill>
+                <a:effectLst/>
+                <a:latin typeface="+mn-lt"/>
+                <a:ea typeface="+mn-ea"/>
+                <a:cs typeface="+mn-cs"/>
+              </a:rPr>
+              <a:t>"name of your application you created in portal"</a:t>
+            </a:r>
+            <a:r>
+              <a:rPr lang="en-US" dirty="0"/>
+              <a:t> </a:t>
+            </a:r>
+            <a:r>
+              <a:rPr lang="en-US" sz="1200" b="0" i="0" kern="1200" dirty="0">
+                <a:solidFill>
+                  <a:schemeClr val="tx1"/>
+                </a:solidFill>
+                <a:effectLst/>
+                <a:latin typeface="+mn-lt"/>
+                <a:ea typeface="+mn-ea"/>
+                <a:cs typeface="+mn-cs"/>
+              </a:rPr>
+              <a:t>Run this script 3 </a:t>
+            </a:r>
+            <a:r>
+              <a:rPr lang="en-US" sz="1200" b="0" i="0" kern="1200" dirty="0" err="1">
+                <a:solidFill>
+                  <a:schemeClr val="tx1"/>
+                </a:solidFill>
+                <a:effectLst/>
+                <a:latin typeface="+mn-lt"/>
+                <a:ea typeface="+mn-ea"/>
+                <a:cs typeface="+mn-cs"/>
+              </a:rPr>
+              <a:t>tuimes</a:t>
+            </a:r>
+            <a:r>
+              <a:rPr lang="en-US" sz="1200" b="0" i="0" kern="1200" dirty="0">
+                <a:solidFill>
+                  <a:schemeClr val="tx1"/>
+                </a:solidFill>
+                <a:effectLst/>
+                <a:latin typeface="+mn-lt"/>
+                <a:ea typeface="+mn-ea"/>
+                <a:cs typeface="+mn-cs"/>
+              </a:rPr>
+              <a:t> for all resource groups (Playground, Test, Production)</a:t>
+            </a:r>
+          </a:p>
+          <a:p>
+            <a:pPr marL="228600" indent="-228600">
+              <a:buFont typeface="+mj-lt"/>
+              <a:buAutoNum type="arabicPeriod"/>
+            </a:pPr>
+            <a:r>
+              <a:rPr lang="en-US" sz="1200" b="0" i="0" kern="1200" dirty="0">
+                <a:solidFill>
+                  <a:schemeClr val="tx1"/>
+                </a:solidFill>
+                <a:effectLst/>
+                <a:latin typeface="+mn-lt"/>
+                <a:ea typeface="+mn-ea"/>
+                <a:cs typeface="+mn-cs"/>
+              </a:rPr>
+              <a:t>Check in the code to the </a:t>
+            </a:r>
+            <a:r>
+              <a:rPr lang="en-US" sz="1200" b="0" i="0" kern="1200" dirty="0" err="1">
+                <a:solidFill>
+                  <a:schemeClr val="tx1"/>
+                </a:solidFill>
+                <a:effectLst/>
+                <a:latin typeface="+mn-lt"/>
+                <a:ea typeface="+mn-ea"/>
+                <a:cs typeface="+mn-cs"/>
+              </a:rPr>
+              <a:t>IaC</a:t>
+            </a:r>
+            <a:r>
+              <a:rPr lang="en-US" sz="1200" b="0" i="0" kern="1200" dirty="0">
+                <a:solidFill>
+                  <a:schemeClr val="tx1"/>
+                </a:solidFill>
+                <a:effectLst/>
+                <a:latin typeface="+mn-lt"/>
+                <a:ea typeface="+mn-ea"/>
+                <a:cs typeface="+mn-cs"/>
+              </a:rPr>
+              <a:t> repo in Git</a:t>
+            </a:r>
+          </a:p>
+          <a:p>
+            <a:pPr marL="228600" indent="-228600">
+              <a:buFont typeface="+mj-lt"/>
+              <a:buAutoNum type="arabicPeriod"/>
+            </a:pPr>
+            <a:endParaRPr lang="en-US" sz="1200" b="0" i="0" kern="1200" dirty="0">
+              <a:solidFill>
+                <a:schemeClr val="tx1"/>
+              </a:solidFill>
+              <a:effectLst/>
+              <a:latin typeface="+mn-lt"/>
+              <a:ea typeface="+mn-ea"/>
+              <a:cs typeface="+mn-cs"/>
+            </a:endParaRPr>
+          </a:p>
+          <a:p>
+            <a:pPr marL="228600" indent="-228600">
+              <a:buFont typeface="+mj-lt"/>
+              <a:buAutoNum type="arabicPeriod"/>
+            </a:pPr>
+            <a:endParaRPr lang="en-US" sz="1200" b="0" i="0" kern="1200" dirty="0">
+              <a:solidFill>
+                <a:schemeClr val="tx1"/>
+              </a:solidFill>
+              <a:effectLst/>
+              <a:latin typeface="+mn-lt"/>
+              <a:ea typeface="+mn-ea"/>
+              <a:cs typeface="+mn-cs"/>
+            </a:endParaRPr>
+          </a:p>
+          <a:p>
+            <a:pPr marL="0" indent="0">
+              <a:buFont typeface="+mj-lt"/>
+              <a:buNone/>
+            </a:pPr>
+            <a:r>
+              <a:rPr lang="en-US" sz="1200" b="0" i="0" kern="1200" dirty="0">
+                <a:solidFill>
+                  <a:schemeClr val="tx1"/>
+                </a:solidFill>
+                <a:effectLst/>
+                <a:latin typeface="+mn-lt"/>
+                <a:ea typeface="+mn-ea"/>
+                <a:cs typeface="+mn-cs"/>
+              </a:rPr>
+              <a:t>.\CreateResourceGroupsforSPN.ps1 -</a:t>
+            </a:r>
+            <a:r>
+              <a:rPr lang="en-US" sz="1200" b="0" i="0" kern="1200" dirty="0" err="1">
+                <a:solidFill>
+                  <a:schemeClr val="tx1"/>
+                </a:solidFill>
+                <a:effectLst/>
+                <a:latin typeface="+mn-lt"/>
+                <a:ea typeface="+mn-ea"/>
+                <a:cs typeface="+mn-cs"/>
+              </a:rPr>
+              <a:t>applicationName</a:t>
+            </a:r>
+            <a:r>
+              <a:rPr lang="en-US" sz="1200" b="0" i="0" kern="1200" dirty="0">
+                <a:solidFill>
+                  <a:schemeClr val="tx1"/>
+                </a:solidFill>
+                <a:effectLst/>
+                <a:latin typeface="+mn-lt"/>
+                <a:ea typeface="+mn-ea"/>
+                <a:cs typeface="+mn-cs"/>
+              </a:rPr>
+              <a:t> "GDBC-AutomateSPN-Teamname-F003-P001" -</a:t>
+            </a:r>
+            <a:r>
+              <a:rPr lang="en-US" sz="1200" b="0" i="0" kern="1200" dirty="0" err="1">
+                <a:solidFill>
+                  <a:schemeClr val="tx1"/>
+                </a:solidFill>
+                <a:effectLst/>
+                <a:latin typeface="+mn-lt"/>
+                <a:ea typeface="+mn-ea"/>
+                <a:cs typeface="+mn-cs"/>
+              </a:rPr>
+              <a:t>subscriptionid</a:t>
+            </a:r>
+            <a:r>
+              <a:rPr lang="en-US" sz="1200" b="0" i="0" kern="1200" dirty="0">
+                <a:solidFill>
+                  <a:schemeClr val="tx1"/>
+                </a:solidFill>
+                <a:effectLst/>
+                <a:latin typeface="+mn-lt"/>
+                <a:ea typeface="+mn-ea"/>
+                <a:cs typeface="+mn-cs"/>
+              </a:rPr>
+              <a:t> e35f5068-7bf3-41b9-8</a:t>
+            </a:r>
+          </a:p>
+          <a:p>
+            <a:pPr marL="0" indent="0">
+              <a:buFont typeface="+mj-lt"/>
+              <a:buNone/>
+            </a:pPr>
+            <a:r>
+              <a:rPr lang="en-US" sz="1200" b="0" i="0" kern="1200" dirty="0">
+                <a:solidFill>
+                  <a:schemeClr val="tx1"/>
+                </a:solidFill>
+                <a:effectLst/>
+                <a:latin typeface="+mn-lt"/>
+                <a:ea typeface="+mn-ea"/>
+                <a:cs typeface="+mn-cs"/>
+              </a:rPr>
+              <a:t>5d7-5fe7ce16b2df -</a:t>
+            </a:r>
+            <a:r>
+              <a:rPr lang="en-US" sz="1200" b="0" i="0" kern="1200" dirty="0" err="1">
+                <a:solidFill>
+                  <a:schemeClr val="tx1"/>
+                </a:solidFill>
+                <a:effectLst/>
+                <a:latin typeface="+mn-lt"/>
+                <a:ea typeface="+mn-ea"/>
+                <a:cs typeface="+mn-cs"/>
+              </a:rPr>
+              <a:t>resourcegroup</a:t>
+            </a:r>
+            <a:r>
+              <a:rPr lang="en-US" sz="1200" b="0" i="0" kern="1200" dirty="0">
+                <a:solidFill>
+                  <a:schemeClr val="tx1"/>
+                </a:solidFill>
+                <a:effectLst/>
+                <a:latin typeface="+mn-lt"/>
+                <a:ea typeface="+mn-ea"/>
+                <a:cs typeface="+mn-cs"/>
+              </a:rPr>
+              <a:t> "F003-P001-PLAYGROUND-1" -location "West US“</a:t>
+            </a:r>
+          </a:p>
+          <a:p>
+            <a:pPr marL="0" indent="0">
+              <a:buFont typeface="+mj-lt"/>
+              <a:buNone/>
+            </a:pPr>
+            <a:endParaRPr lang="en-US" sz="1200" b="0" i="0" kern="1200" dirty="0">
+              <a:solidFill>
+                <a:schemeClr val="tx1"/>
+              </a:solidFill>
+              <a:effectLst/>
+              <a:latin typeface="+mn-lt"/>
+              <a:ea typeface="+mn-ea"/>
+              <a:cs typeface="+mn-cs"/>
+            </a:endParaRPr>
+          </a:p>
+          <a:p>
+            <a:pPr marL="0" indent="0">
+              <a:buFont typeface="+mj-lt"/>
+              <a:buNone/>
+            </a:pPr>
+            <a:r>
+              <a:rPr lang="en-US" sz="1200" b="0" i="0" kern="1200" dirty="0">
+                <a:solidFill>
+                  <a:schemeClr val="tx1"/>
+                </a:solidFill>
+                <a:effectLst/>
+                <a:latin typeface="+mn-lt"/>
+                <a:ea typeface="+mn-ea"/>
+                <a:cs typeface="+mn-cs"/>
+              </a:rPr>
+              <a:t>.\CreateResourceGroupsforSPN.ps1 -</a:t>
+            </a:r>
+            <a:r>
+              <a:rPr lang="en-US" sz="1200" b="0" i="0" kern="1200" dirty="0" err="1">
+                <a:solidFill>
+                  <a:schemeClr val="tx1"/>
+                </a:solidFill>
+                <a:effectLst/>
+                <a:latin typeface="+mn-lt"/>
+                <a:ea typeface="+mn-ea"/>
+                <a:cs typeface="+mn-cs"/>
+              </a:rPr>
+              <a:t>applicationName</a:t>
+            </a:r>
+            <a:r>
+              <a:rPr lang="en-US" sz="1200" b="0" i="0" kern="1200" dirty="0">
+                <a:solidFill>
+                  <a:schemeClr val="tx1"/>
+                </a:solidFill>
+                <a:effectLst/>
+                <a:latin typeface="+mn-lt"/>
+                <a:ea typeface="+mn-ea"/>
+                <a:cs typeface="+mn-cs"/>
+              </a:rPr>
+              <a:t> "GDBC-AutomateSPN-Teamname-F003-P001" -</a:t>
+            </a:r>
+            <a:r>
+              <a:rPr lang="en-US" sz="1200" b="0" i="0" kern="1200" dirty="0" err="1">
+                <a:solidFill>
+                  <a:schemeClr val="tx1"/>
+                </a:solidFill>
+                <a:effectLst/>
+                <a:latin typeface="+mn-lt"/>
+                <a:ea typeface="+mn-ea"/>
+                <a:cs typeface="+mn-cs"/>
+              </a:rPr>
+              <a:t>subscriptionid</a:t>
+            </a:r>
+            <a:r>
+              <a:rPr lang="en-US" sz="1200" b="0" i="0" kern="1200" dirty="0">
+                <a:solidFill>
+                  <a:schemeClr val="tx1"/>
+                </a:solidFill>
+                <a:effectLst/>
+                <a:latin typeface="+mn-lt"/>
+                <a:ea typeface="+mn-ea"/>
+                <a:cs typeface="+mn-cs"/>
+              </a:rPr>
+              <a:t> e35f5068-7bf3-41b9-8</a:t>
+            </a:r>
+          </a:p>
+          <a:p>
+            <a:pPr marL="0" indent="0">
+              <a:buFont typeface="+mj-lt"/>
+              <a:buNone/>
+            </a:pPr>
+            <a:r>
+              <a:rPr lang="en-US" sz="1200" b="0" i="0" kern="1200" dirty="0">
+                <a:solidFill>
+                  <a:schemeClr val="tx1"/>
+                </a:solidFill>
+                <a:effectLst/>
+                <a:latin typeface="+mn-lt"/>
+                <a:ea typeface="+mn-ea"/>
+                <a:cs typeface="+mn-cs"/>
+              </a:rPr>
+              <a:t>5d7-5fe7ce16b2df -</a:t>
+            </a:r>
+            <a:r>
+              <a:rPr lang="en-US" sz="1200" b="0" i="0" kern="1200" dirty="0" err="1">
+                <a:solidFill>
+                  <a:schemeClr val="tx1"/>
+                </a:solidFill>
+                <a:effectLst/>
+                <a:latin typeface="+mn-lt"/>
+                <a:ea typeface="+mn-ea"/>
+                <a:cs typeface="+mn-cs"/>
+              </a:rPr>
+              <a:t>resourcegroup</a:t>
+            </a:r>
+            <a:r>
+              <a:rPr lang="en-US" sz="1200" b="0" i="0" kern="1200" dirty="0">
+                <a:solidFill>
+                  <a:schemeClr val="tx1"/>
+                </a:solidFill>
+                <a:effectLst/>
+                <a:latin typeface="+mn-lt"/>
+                <a:ea typeface="+mn-ea"/>
+                <a:cs typeface="+mn-cs"/>
+              </a:rPr>
+              <a:t> "F003-P001-TEST-1" -location "West US“</a:t>
+            </a:r>
+          </a:p>
+          <a:p>
+            <a:pPr marL="0" indent="0">
+              <a:buFont typeface="+mj-lt"/>
+              <a:buNone/>
+            </a:pPr>
+            <a:endParaRPr lang="en-US" sz="1200" b="0" i="0" kern="1200" dirty="0">
+              <a:solidFill>
+                <a:schemeClr val="tx1"/>
+              </a:solidFill>
+              <a:effectLst/>
+              <a:latin typeface="+mn-lt"/>
+              <a:ea typeface="+mn-ea"/>
+              <a:cs typeface="+mn-cs"/>
+            </a:endParaRPr>
+          </a:p>
+          <a:p>
+            <a:pPr marL="0" indent="0">
+              <a:buFont typeface="+mj-lt"/>
+              <a:buNone/>
+            </a:pPr>
+            <a:r>
+              <a:rPr lang="en-US" sz="1200" b="0" i="0" kern="1200" dirty="0">
+                <a:solidFill>
+                  <a:schemeClr val="tx1"/>
+                </a:solidFill>
+                <a:effectLst/>
+                <a:latin typeface="+mn-lt"/>
+                <a:ea typeface="+mn-ea"/>
+                <a:cs typeface="+mn-cs"/>
+              </a:rPr>
+              <a:t>.\CreateResourceGroupsforSPN.ps1 -</a:t>
+            </a:r>
+            <a:r>
+              <a:rPr lang="en-US" sz="1200" b="0" i="0" kern="1200" dirty="0" err="1">
+                <a:solidFill>
+                  <a:schemeClr val="tx1"/>
+                </a:solidFill>
+                <a:effectLst/>
+                <a:latin typeface="+mn-lt"/>
+                <a:ea typeface="+mn-ea"/>
+                <a:cs typeface="+mn-cs"/>
+              </a:rPr>
+              <a:t>applicationName</a:t>
+            </a:r>
+            <a:r>
+              <a:rPr lang="en-US" sz="1200" b="0" i="0" kern="1200" dirty="0">
+                <a:solidFill>
+                  <a:schemeClr val="tx1"/>
+                </a:solidFill>
+                <a:effectLst/>
+                <a:latin typeface="+mn-lt"/>
+                <a:ea typeface="+mn-ea"/>
+                <a:cs typeface="+mn-cs"/>
+              </a:rPr>
+              <a:t> "GDBC-AutomateSPN-Teamname-F003-P001" -</a:t>
+            </a:r>
+            <a:r>
+              <a:rPr lang="en-US" sz="1200" b="0" i="0" kern="1200" dirty="0" err="1">
+                <a:solidFill>
+                  <a:schemeClr val="tx1"/>
+                </a:solidFill>
+                <a:effectLst/>
+                <a:latin typeface="+mn-lt"/>
+                <a:ea typeface="+mn-ea"/>
+                <a:cs typeface="+mn-cs"/>
+              </a:rPr>
+              <a:t>subscriptionid</a:t>
+            </a:r>
+            <a:r>
+              <a:rPr lang="en-US" sz="1200" b="0" i="0" kern="1200" dirty="0">
+                <a:solidFill>
+                  <a:schemeClr val="tx1"/>
+                </a:solidFill>
+                <a:effectLst/>
+                <a:latin typeface="+mn-lt"/>
+                <a:ea typeface="+mn-ea"/>
+                <a:cs typeface="+mn-cs"/>
+              </a:rPr>
+              <a:t> e35f5068-7bf3-41b9-8</a:t>
+            </a:r>
+          </a:p>
+          <a:p>
+            <a:pPr marL="0" indent="0">
+              <a:buFont typeface="+mj-lt"/>
+              <a:buNone/>
+            </a:pPr>
+            <a:r>
+              <a:rPr lang="en-US" sz="1200" b="0" i="0" kern="1200" dirty="0">
+                <a:solidFill>
+                  <a:schemeClr val="tx1"/>
+                </a:solidFill>
+                <a:effectLst/>
+                <a:latin typeface="+mn-lt"/>
+                <a:ea typeface="+mn-ea"/>
+                <a:cs typeface="+mn-cs"/>
+              </a:rPr>
+              <a:t>5d7-5fe7ce16b2df -</a:t>
+            </a:r>
+            <a:r>
+              <a:rPr lang="en-US" sz="1200" b="0" i="0" kern="1200" dirty="0" err="1">
+                <a:solidFill>
+                  <a:schemeClr val="tx1"/>
+                </a:solidFill>
+                <a:effectLst/>
+                <a:latin typeface="+mn-lt"/>
+                <a:ea typeface="+mn-ea"/>
+                <a:cs typeface="+mn-cs"/>
+              </a:rPr>
+              <a:t>resourcegroup</a:t>
+            </a:r>
+            <a:r>
+              <a:rPr lang="en-US" sz="1200" b="0" i="0" kern="1200" dirty="0">
+                <a:solidFill>
+                  <a:schemeClr val="tx1"/>
+                </a:solidFill>
+                <a:effectLst/>
+                <a:latin typeface="+mn-lt"/>
+                <a:ea typeface="+mn-ea"/>
+                <a:cs typeface="+mn-cs"/>
+              </a:rPr>
+              <a:t> "F003-P001-PROD-1" -location "West US"</a:t>
+            </a:r>
+          </a:p>
+          <a:p>
+            <a:endParaRPr lang="en-US" dirty="0"/>
+          </a:p>
+        </p:txBody>
+      </p:sp>
+      <p:sp>
+        <p:nvSpPr>
+          <p:cNvPr id="4" name="Slide Number Placeholder 3"/>
+          <p:cNvSpPr>
+            <a:spLocks noGrp="1"/>
+          </p:cNvSpPr>
+          <p:nvPr>
+            <p:ph type="sldNum" sz="quarter" idx="10"/>
+          </p:nvPr>
+        </p:nvSpPr>
+        <p:spPr/>
+        <p:txBody>
+          <a:bodyPr/>
+          <a:lstStyle/>
+          <a:p>
+            <a:fld id="{1112285D-B62D-0345-9A0E-5D91D31CA9B6}" type="slidenum">
+              <a:rPr lang="en-US" smtClean="0"/>
+              <a:t>13</a:t>
+            </a:fld>
+            <a:endParaRPr lang="en-US"/>
+          </a:p>
+        </p:txBody>
+      </p:sp>
+    </p:spTree>
+    <p:extLst>
+      <p:ext uri="{BB962C8B-B14F-4D97-AF65-F5344CB8AC3E}">
+        <p14:creationId xmlns:p14="http://schemas.microsoft.com/office/powerpoint/2010/main" val="4131568296"/>
+      </p:ext>
+    </p:extLst>
+  </p:cSld>
+  <p:clrMapOvr>
+    <a:masterClrMapping/>
+  </p:clrMapOvr>
+</p:notes>
+</file>
+
+<file path=ppt/notesSlides/notesSlide11.xml><?xml version="1.0" encoding="utf-8"?>
+<p:notes xmlns:a="http://schemas.openxmlformats.org/drawingml/2006/main" xmlns:r="http://schemas.openxmlformats.org/officeDocument/2006/relationships" xmlns:p="http://schemas.openxmlformats.org/presentationml/2006/main">
+  <p:cSld>
+    <p:spTree>
+      <p:nvGrpSpPr>
+        <p:cNvPr id="1" name=""/>
+        <p:cNvGrpSpPr/>
+        <p:nvPr/>
+      </p:nvGrpSpPr>
+      <p:grpSpPr>
+        <a:xfrm>
+          <a:off x="0" y="0"/>
+          <a:ext cx="0" cy="0"/>
+          <a:chOff x="0" y="0"/>
+          <a:chExt cx="0" cy="0"/>
+        </a:xfrm>
+      </p:grpSpPr>
+      <p:sp>
+        <p:nvSpPr>
+          <p:cNvPr id="2" name="Slide Image Placeholder 1"/>
+          <p:cNvSpPr>
+            <a:spLocks noGrp="1" noRot="1" noChangeAspect="1"/>
+          </p:cNvSpPr>
+          <p:nvPr>
+            <p:ph type="sldImg"/>
+          </p:nvPr>
+        </p:nvSpPr>
+        <p:spPr/>
+      </p:sp>
+      <p:sp>
+        <p:nvSpPr>
+          <p:cNvPr id="3" name="Notes Placeholder 2"/>
+          <p:cNvSpPr>
+            <a:spLocks noGrp="1"/>
+          </p:cNvSpPr>
+          <p:nvPr>
+            <p:ph type="body" idx="1"/>
+          </p:nvPr>
+        </p:nvSpPr>
+        <p:spPr/>
+        <p:txBody>
+          <a:bodyPr/>
+          <a:lstStyle/>
+          <a:p>
+            <a:r>
+              <a:rPr lang="en-US" sz="1200" b="0" i="0" kern="1200" dirty="0">
+                <a:solidFill>
+                  <a:schemeClr val="tx1"/>
+                </a:solidFill>
+                <a:effectLst/>
+                <a:latin typeface="+mn-lt"/>
+                <a:ea typeface="+mn-ea"/>
+                <a:cs typeface="+mn-cs"/>
+              </a:rPr>
+              <a:t>Creating a new Service Endpoint for your Resource Groups</a:t>
+            </a:r>
+          </a:p>
+          <a:p>
+            <a:endParaRPr lang="en-US" sz="1200" b="0" i="0" kern="1200" dirty="0">
+              <a:solidFill>
+                <a:schemeClr val="tx1"/>
+              </a:solidFill>
+              <a:effectLst/>
+              <a:latin typeface="+mn-lt"/>
+              <a:ea typeface="+mn-ea"/>
+              <a:cs typeface="+mn-cs"/>
+            </a:endParaRPr>
+          </a:p>
+          <a:p>
+            <a:pPr marL="228600" indent="-228600">
+              <a:buFont typeface="+mj-lt"/>
+              <a:buAutoNum type="arabicPeriod"/>
+            </a:pPr>
+            <a:r>
+              <a:rPr lang="en-US" sz="1200" b="0" i="0" kern="1200" dirty="0">
+                <a:solidFill>
+                  <a:schemeClr val="tx1"/>
+                </a:solidFill>
+                <a:effectLst/>
+                <a:latin typeface="+mn-lt"/>
+                <a:ea typeface="+mn-ea"/>
+                <a:cs typeface="+mn-cs"/>
+              </a:rPr>
+              <a:t>Login as a Team Admin in your VSTS project and navigate to the admin pages and the </a:t>
+            </a:r>
+            <a:r>
+              <a:rPr lang="en-US" sz="1200" b="0" i="1" kern="1200" dirty="0">
+                <a:solidFill>
+                  <a:schemeClr val="tx1"/>
+                </a:solidFill>
+                <a:effectLst/>
+                <a:latin typeface="+mn-lt"/>
+                <a:ea typeface="+mn-ea"/>
+                <a:cs typeface="+mn-cs"/>
+              </a:rPr>
+              <a:t>Service</a:t>
+            </a:r>
+            <a:r>
+              <a:rPr lang="en-US" sz="1200" b="0" i="0" kern="1200" dirty="0">
+                <a:solidFill>
+                  <a:schemeClr val="tx1"/>
+                </a:solidFill>
+                <a:effectLst/>
+                <a:latin typeface="+mn-lt"/>
+                <a:ea typeface="+mn-ea"/>
+                <a:cs typeface="+mn-cs"/>
+              </a:rPr>
+              <a:t> Tab</a:t>
+            </a:r>
+          </a:p>
+          <a:p>
+            <a:pPr marL="228600" indent="-228600">
+              <a:buFont typeface="+mj-lt"/>
+              <a:buAutoNum type="arabicPeriod"/>
+            </a:pPr>
+            <a:r>
+              <a:rPr lang="en-US" sz="1200" b="0" i="0" kern="1200" dirty="0">
+                <a:solidFill>
+                  <a:schemeClr val="tx1"/>
+                </a:solidFill>
+                <a:effectLst/>
+                <a:latin typeface="+mn-lt"/>
+                <a:ea typeface="+mn-ea"/>
+                <a:cs typeface="+mn-cs"/>
+              </a:rPr>
+              <a:t>Add a new Service EndPoint of type </a:t>
+            </a:r>
+            <a:r>
+              <a:rPr lang="en-US" sz="1200" b="0" i="1" kern="1200" dirty="0">
+                <a:solidFill>
+                  <a:schemeClr val="tx1"/>
+                </a:solidFill>
+                <a:effectLst/>
+                <a:latin typeface="+mn-lt"/>
+                <a:ea typeface="+mn-ea"/>
+                <a:cs typeface="+mn-cs"/>
+              </a:rPr>
+              <a:t>Azure Resource Manager</a:t>
+            </a:r>
+            <a:endParaRPr lang="en-US" sz="1200" b="0" i="0" kern="1200" dirty="0">
+              <a:solidFill>
+                <a:schemeClr val="tx1"/>
+              </a:solidFill>
+              <a:effectLst/>
+              <a:latin typeface="+mn-lt"/>
+              <a:ea typeface="+mn-ea"/>
+              <a:cs typeface="+mn-cs"/>
+            </a:endParaRPr>
+          </a:p>
+          <a:p>
+            <a:pPr marL="228600" indent="-228600">
+              <a:buFont typeface="+mj-lt"/>
+              <a:buAutoNum type="arabicPeriod"/>
+            </a:pPr>
+            <a:r>
+              <a:rPr lang="en-US" sz="1200" b="0" i="0" kern="1200" dirty="0">
+                <a:solidFill>
+                  <a:schemeClr val="tx1"/>
+                </a:solidFill>
+                <a:effectLst/>
+                <a:latin typeface="+mn-lt"/>
+                <a:ea typeface="+mn-ea"/>
+                <a:cs typeface="+mn-cs"/>
+              </a:rPr>
+              <a:t>Use the full version of the Endpoint Dialog, and use the application id and key from the previous achievement.</a:t>
+            </a:r>
+          </a:p>
+          <a:p>
+            <a:endParaRPr lang="en-US" sz="1200" b="0" i="0" kern="1200" dirty="0">
+              <a:solidFill>
+                <a:schemeClr val="tx1"/>
+              </a:solidFill>
+              <a:effectLst/>
+              <a:latin typeface="+mn-lt"/>
+              <a:ea typeface="+mn-ea"/>
+              <a:cs typeface="+mn-cs"/>
+            </a:endParaRPr>
+          </a:p>
+          <a:p>
+            <a:r>
+              <a:rPr lang="en-US" sz="1200" b="0" i="0" kern="1200" dirty="0">
+                <a:solidFill>
+                  <a:schemeClr val="tx1"/>
+                </a:solidFill>
+                <a:effectLst/>
+                <a:latin typeface="+mn-lt"/>
+                <a:ea typeface="+mn-ea"/>
+                <a:cs typeface="+mn-cs"/>
+              </a:rPr>
+              <a:t>Create a new Release Definition</a:t>
+            </a:r>
+          </a:p>
+          <a:p>
+            <a:endParaRPr lang="en-US" sz="1200" b="0" i="0" kern="1200" dirty="0">
+              <a:solidFill>
+                <a:schemeClr val="tx1"/>
+              </a:solidFill>
+              <a:effectLst/>
+              <a:latin typeface="+mn-lt"/>
+              <a:ea typeface="+mn-ea"/>
+              <a:cs typeface="+mn-cs"/>
+            </a:endParaRPr>
+          </a:p>
+          <a:p>
+            <a:pPr marL="228600" indent="-228600">
+              <a:buFont typeface="+mj-lt"/>
+              <a:buAutoNum type="arabicPeriod"/>
+            </a:pPr>
+            <a:r>
+              <a:rPr lang="en-US" sz="1200" b="0" i="0" kern="1200" dirty="0">
+                <a:solidFill>
+                  <a:schemeClr val="tx1"/>
+                </a:solidFill>
+                <a:effectLst/>
+                <a:latin typeface="+mn-lt"/>
+                <a:ea typeface="+mn-ea"/>
+                <a:cs typeface="+mn-cs"/>
+              </a:rPr>
+              <a:t>Create a new Release Definition following guidance from Challenge 2. This definition should have three environments matching the resource groups previously created.</a:t>
+            </a:r>
+          </a:p>
+          <a:p>
+            <a:pPr marL="228600" indent="-228600">
+              <a:buFont typeface="+mj-lt"/>
+              <a:buAutoNum type="arabicPeriod"/>
+            </a:pPr>
+            <a:r>
+              <a:rPr lang="en-US" sz="1200" b="0" i="0" kern="1200" dirty="0">
+                <a:solidFill>
+                  <a:schemeClr val="tx1"/>
+                </a:solidFill>
+                <a:effectLst/>
+                <a:latin typeface="+mn-lt"/>
+                <a:ea typeface="+mn-ea"/>
+                <a:cs typeface="+mn-cs"/>
+              </a:rPr>
+              <a:t>Each environment will have two tasks. First step is to create the Azure Resources using Azure CLI Task (</a:t>
+            </a:r>
+            <a:r>
+              <a:rPr lang="en-US" sz="1200" b="0" i="0" kern="1200" dirty="0" err="1">
+                <a:solidFill>
+                  <a:schemeClr val="tx1"/>
+                </a:solidFill>
+                <a:effectLst/>
+                <a:latin typeface="+mn-lt"/>
+                <a:ea typeface="+mn-ea"/>
+                <a:cs typeface="+mn-cs"/>
+              </a:rPr>
+              <a:t>webapp</a:t>
+            </a:r>
+            <a:r>
+              <a:rPr lang="en-US" sz="1200" b="0" i="0" kern="1200" dirty="0">
+                <a:solidFill>
+                  <a:schemeClr val="tx1"/>
+                </a:solidFill>
+                <a:effectLst/>
+                <a:latin typeface="+mn-lt"/>
+                <a:ea typeface="+mn-ea"/>
+                <a:cs typeface="+mn-cs"/>
+              </a:rPr>
+              <a:t>, </a:t>
+            </a:r>
+            <a:r>
+              <a:rPr lang="en-US" sz="1200" b="0" i="0" kern="1200" dirty="0" err="1">
+                <a:solidFill>
+                  <a:schemeClr val="tx1"/>
+                </a:solidFill>
+                <a:effectLst/>
+                <a:latin typeface="+mn-lt"/>
+                <a:ea typeface="+mn-ea"/>
+                <a:cs typeface="+mn-cs"/>
+              </a:rPr>
+              <a:t>sql</a:t>
+            </a:r>
+            <a:r>
+              <a:rPr lang="en-US" sz="1200" b="0" i="0" kern="1200" dirty="0">
+                <a:solidFill>
+                  <a:schemeClr val="tx1"/>
+                </a:solidFill>
+                <a:effectLst/>
+                <a:latin typeface="+mn-lt"/>
+                <a:ea typeface="+mn-ea"/>
+                <a:cs typeface="+mn-cs"/>
+              </a:rPr>
+              <a:t> server, database, firewall), see Challenge 1. Use scripts from the </a:t>
+            </a:r>
+            <a:r>
+              <a:rPr lang="en-US" sz="1200" b="0" i="0" kern="1200" dirty="0" err="1">
+                <a:solidFill>
+                  <a:schemeClr val="tx1"/>
+                </a:solidFill>
+                <a:effectLst/>
+                <a:latin typeface="+mn-lt"/>
+                <a:ea typeface="+mn-ea"/>
+                <a:cs typeface="+mn-cs"/>
+              </a:rPr>
+              <a:t>IaC</a:t>
+            </a:r>
+            <a:r>
+              <a:rPr lang="en-US" sz="1200" b="0" i="0" kern="1200" dirty="0">
+                <a:solidFill>
+                  <a:schemeClr val="tx1"/>
+                </a:solidFill>
+                <a:effectLst/>
+                <a:latin typeface="+mn-lt"/>
+                <a:ea typeface="+mn-ea"/>
+                <a:cs typeface="+mn-cs"/>
+              </a:rPr>
+              <a:t> Git Repository. Scripts are also attached to the </a:t>
+            </a:r>
+            <a:r>
+              <a:rPr lang="en-US" sz="1200" b="0" i="0" kern="1200" dirty="0" err="1">
+                <a:solidFill>
+                  <a:schemeClr val="tx1"/>
+                </a:solidFill>
+                <a:effectLst/>
+                <a:latin typeface="+mn-lt"/>
+                <a:ea typeface="+mn-ea"/>
+                <a:cs typeface="+mn-cs"/>
+              </a:rPr>
+              <a:t>workitem</a:t>
+            </a:r>
+            <a:r>
+              <a:rPr lang="en-US" sz="1200" b="0" i="0" kern="1200" dirty="0">
+                <a:solidFill>
+                  <a:schemeClr val="tx1"/>
+                </a:solidFill>
+                <a:effectLst/>
+                <a:latin typeface="+mn-lt"/>
+                <a:ea typeface="+mn-ea"/>
+                <a:cs typeface="+mn-cs"/>
+              </a:rPr>
+              <a:t>.</a:t>
+            </a:r>
+          </a:p>
+          <a:p>
+            <a:pPr marL="228600" indent="-228600">
+              <a:buFont typeface="+mj-lt"/>
+              <a:buAutoNum type="arabicPeriod"/>
+            </a:pPr>
+            <a:r>
+              <a:rPr lang="en-US" sz="1200" b="0" i="0" kern="1200" dirty="0">
+                <a:solidFill>
+                  <a:schemeClr val="tx1"/>
+                </a:solidFill>
+                <a:effectLst/>
+                <a:latin typeface="+mn-lt"/>
+                <a:ea typeface="+mn-ea"/>
+                <a:cs typeface="+mn-cs"/>
+              </a:rPr>
+              <a:t>Make sure you pass two arguments to the provided CreateAzureResource.cmd file in the Azure CLI Task, environment name (</a:t>
+            </a:r>
+            <a:r>
+              <a:rPr lang="en-US" sz="1200" b="0" i="0" kern="1200" dirty="0" err="1">
+                <a:solidFill>
+                  <a:schemeClr val="tx1"/>
+                </a:solidFill>
+                <a:effectLst/>
+                <a:latin typeface="+mn-lt"/>
+                <a:ea typeface="+mn-ea"/>
+                <a:cs typeface="+mn-cs"/>
+              </a:rPr>
+              <a:t>dev,test,prod</a:t>
+            </a:r>
+            <a:r>
+              <a:rPr lang="en-US" sz="1200" b="0" i="0" kern="1200" dirty="0">
+                <a:solidFill>
+                  <a:schemeClr val="tx1"/>
+                </a:solidFill>
+                <a:effectLst/>
+                <a:latin typeface="+mn-lt"/>
+                <a:ea typeface="+mn-ea"/>
+                <a:cs typeface="+mn-cs"/>
+              </a:rPr>
+              <a:t>) and resource group name.</a:t>
+            </a:r>
+          </a:p>
+          <a:p>
+            <a:pPr marL="228600" indent="-228600">
+              <a:buFont typeface="+mj-lt"/>
+              <a:buAutoNum type="arabicPeriod"/>
+            </a:pPr>
+            <a:r>
+              <a:rPr lang="en-US" sz="1200" b="0" i="0" kern="1200" dirty="0">
+                <a:solidFill>
+                  <a:schemeClr val="tx1"/>
+                </a:solidFill>
+                <a:effectLst/>
+                <a:latin typeface="+mn-lt"/>
+                <a:ea typeface="+mn-ea"/>
+                <a:cs typeface="+mn-cs"/>
+              </a:rPr>
+              <a:t>Second task is to deploy the Azure Web Application, Azure App Service Deploy Task.</a:t>
+            </a:r>
+          </a:p>
+          <a:p>
+            <a:pPr marL="228600" indent="-228600">
+              <a:buFont typeface="+mj-lt"/>
+              <a:buAutoNum type="arabicPeriod"/>
+            </a:pPr>
+            <a:r>
+              <a:rPr lang="en-US" sz="1200" b="0" i="0" kern="1200" dirty="0">
+                <a:solidFill>
+                  <a:schemeClr val="tx1"/>
+                </a:solidFill>
+                <a:effectLst/>
+                <a:latin typeface="+mn-lt"/>
+                <a:ea typeface="+mn-ea"/>
+                <a:cs typeface="+mn-cs"/>
+              </a:rPr>
+              <a:t>For each Environment in the </a:t>
+            </a:r>
+            <a:r>
+              <a:rPr lang="en-US" sz="1200" b="0" i="0" kern="1200" dirty="0" err="1">
+                <a:solidFill>
+                  <a:schemeClr val="tx1"/>
+                </a:solidFill>
+                <a:effectLst/>
+                <a:latin typeface="+mn-lt"/>
+                <a:ea typeface="+mn-ea"/>
+                <a:cs typeface="+mn-cs"/>
+              </a:rPr>
+              <a:t>the</a:t>
+            </a:r>
+            <a:r>
+              <a:rPr lang="en-US" sz="1200" b="0" i="0" kern="1200" dirty="0">
+                <a:solidFill>
+                  <a:schemeClr val="tx1"/>
+                </a:solidFill>
+                <a:effectLst/>
+                <a:latin typeface="+mn-lt"/>
+                <a:ea typeface="+mn-ea"/>
+                <a:cs typeface="+mn-cs"/>
+              </a:rPr>
+              <a:t> Release Definition use the above created Service EndPoint.</a:t>
+            </a:r>
+          </a:p>
+          <a:p>
+            <a:pPr marL="228600" indent="-228600">
+              <a:buFont typeface="+mj-lt"/>
+              <a:buAutoNum type="arabicPeriod"/>
+            </a:pPr>
+            <a:r>
+              <a:rPr lang="en-US" sz="1200" b="0" i="0" kern="1200" dirty="0">
+                <a:solidFill>
+                  <a:schemeClr val="tx1"/>
+                </a:solidFill>
+                <a:effectLst/>
+                <a:latin typeface="+mn-lt"/>
+                <a:ea typeface="+mn-ea"/>
+                <a:cs typeface="+mn-cs"/>
+              </a:rPr>
+              <a:t>You will now have three environments; a dev and test and a production. Optionally you can set pre- and post-approvers so that releases are not automatically pushed to other environments.</a:t>
+            </a:r>
+          </a:p>
+          <a:p>
+            <a:pPr marL="228600" indent="-228600">
+              <a:buFont typeface="+mj-lt"/>
+              <a:buAutoNum type="arabicPeriod"/>
+            </a:pPr>
+            <a:r>
+              <a:rPr lang="en-US" dirty="0">
+                <a:effectLst/>
+              </a:rPr>
+              <a:t>Make sure you adjust the tasks in the Test environments so that they actually deploy to a test environment and not to production.</a:t>
+            </a:r>
+          </a:p>
+          <a:p>
+            <a:pPr marL="228600" indent="-228600">
+              <a:buFont typeface="+mj-lt"/>
+              <a:buAutoNum type="arabicPeriod"/>
+            </a:pPr>
+            <a:r>
+              <a:rPr lang="en-US" sz="1200" b="0" i="0" kern="1200" dirty="0">
+                <a:solidFill>
+                  <a:schemeClr val="tx1"/>
+                </a:solidFill>
+                <a:effectLst/>
+                <a:latin typeface="+mn-lt"/>
+                <a:ea typeface="+mn-ea"/>
+                <a:cs typeface="+mn-cs"/>
+              </a:rPr>
+              <a:t>Select the icon in front of the Test environment to edit the Pre-deployment options and set it to be triggered by the build.</a:t>
+            </a:r>
+          </a:p>
+          <a:p>
+            <a:pPr marL="228600" indent="-228600">
+              <a:buFont typeface="+mj-lt"/>
+              <a:buAutoNum type="arabicPeriod"/>
+            </a:pPr>
+            <a:r>
+              <a:rPr lang="en-US" sz="1200" b="0" i="0" kern="1200" dirty="0">
+                <a:solidFill>
+                  <a:schemeClr val="tx1"/>
+                </a:solidFill>
+                <a:effectLst/>
+                <a:latin typeface="+mn-lt"/>
+                <a:ea typeface="+mn-ea"/>
+                <a:cs typeface="+mn-cs"/>
+              </a:rPr>
+              <a:t>Do the same for the all the environments, but set this to be triggered by After Environment and select the Test environment.</a:t>
+            </a:r>
+          </a:p>
+          <a:p>
+            <a:pPr marL="228600" indent="-228600">
+              <a:buFont typeface="+mj-lt"/>
+              <a:buAutoNum type="arabicPeriod"/>
+            </a:pPr>
+            <a:endParaRPr lang="en-US" sz="1200" b="0" i="0" kern="1200" dirty="0">
+              <a:solidFill>
+                <a:schemeClr val="tx1"/>
+              </a:solidFill>
+              <a:effectLst/>
+              <a:latin typeface="+mn-lt"/>
+              <a:ea typeface="+mn-ea"/>
+              <a:cs typeface="+mn-cs"/>
+            </a:endParaRPr>
+          </a:p>
+          <a:p>
+            <a:endParaRPr lang="en-US" dirty="0"/>
+          </a:p>
+        </p:txBody>
+      </p:sp>
+      <p:sp>
+        <p:nvSpPr>
+          <p:cNvPr id="4" name="Slide Number Placeholder 3"/>
+          <p:cNvSpPr>
+            <a:spLocks noGrp="1"/>
+          </p:cNvSpPr>
+          <p:nvPr>
+            <p:ph type="sldNum" sz="quarter" idx="10"/>
+          </p:nvPr>
+        </p:nvSpPr>
+        <p:spPr/>
+        <p:txBody>
+          <a:bodyPr/>
+          <a:lstStyle/>
+          <a:p>
+            <a:fld id="{1112285D-B62D-0345-9A0E-5D91D31CA9B6}" type="slidenum">
+              <a:rPr lang="en-US" smtClean="0"/>
+              <a:t>14</a:t>
+            </a:fld>
+            <a:endParaRPr lang="en-US"/>
+          </a:p>
+        </p:txBody>
+      </p:sp>
+    </p:spTree>
+    <p:extLst>
+      <p:ext uri="{BB962C8B-B14F-4D97-AF65-F5344CB8AC3E}">
+        <p14:creationId xmlns:p14="http://schemas.microsoft.com/office/powerpoint/2010/main" val="562303921"/>
+      </p:ext>
+    </p:extLst>
+  </p:cSld>
+  <p:clrMapOvr>
+    <a:masterClrMapping/>
+  </p:clrMapOvr>
+</p:notes>
+</file>
+
 <file path=ppt/notesSlides/notesSlide2.xml><?xml version="1.0" encoding="utf-8"?>
 <p:notes xmlns:a="http://schemas.openxmlformats.org/drawingml/2006/main" xmlns:r="http://schemas.openxmlformats.org/officeDocument/2006/relationships" xmlns:p="http://schemas.openxmlformats.org/presentationml/2006/main">
   <p:cSld>
@@ -8408,31 +10270,7 @@
                 <a:ea typeface="+mn-ea"/>
                 <a:cs typeface="+mn-cs"/>
               </a:rPr>
-              <a:t>Enter the VSTS server </a:t>
-            </a:r>
-            <a:r>
-              <a:rPr lang="en-US" sz="1200" b="0" i="0" kern="1200" dirty="0" err="1">
-                <a:solidFill>
-                  <a:schemeClr val="tx1"/>
-                </a:solidFill>
-                <a:effectLst/>
-                <a:latin typeface="+mn-lt"/>
-                <a:ea typeface="+mn-ea"/>
-                <a:cs typeface="+mn-cs"/>
-              </a:rPr>
-              <a:t>url</a:t>
-            </a:r>
-            <a:r>
-              <a:rPr lang="en-US" sz="1200" b="0" i="0" kern="1200" dirty="0">
-                <a:solidFill>
-                  <a:schemeClr val="tx1"/>
-                </a:solidFill>
-                <a:effectLst/>
-                <a:latin typeface="+mn-lt"/>
-                <a:ea typeface="+mn-ea"/>
-                <a:cs typeface="+mn-cs"/>
-              </a:rPr>
-              <a:t> for your team https://globaldevopsbootcamp.visualstudio.com</a:t>
+              <a:t>Enter the VSTS server url for your team https://globaldevopsbootcamp.visualstudio.com</a:t>
             </a:r>
           </a:p>
           <a:p>

--- a/Challenges.pptx
+++ b/Challenges.pptx
@@ -406,7 +406,7 @@
           <a:p>
             <a:fld id="{27872E6B-C85C-424E-AD51-4389090A2C7D}" type="datetimeFigureOut">
               <a:rPr lang="en-US" smtClean="0"/>
-              <a:t>6/12/2018</a:t>
+              <a:t>6/13/2018</a:t>
             </a:fld>
             <a:endParaRPr lang="en-US"/>
           </a:p>
@@ -3342,6 +3342,698 @@
     <p:extLst>
       <p:ext uri="{BB962C8B-B14F-4D97-AF65-F5344CB8AC3E}">
         <p14:creationId xmlns:p14="http://schemas.microsoft.com/office/powerpoint/2010/main" val="562303921"/>
+      </p:ext>
+    </p:extLst>
+  </p:cSld>
+  <p:clrMapOvr>
+    <a:masterClrMapping/>
+  </p:clrMapOvr>
+</p:notes>
+</file>
+
+<file path=ppt/notesSlides/notesSlide12.xml><?xml version="1.0" encoding="utf-8"?>
+<p:notes xmlns:a="http://schemas.openxmlformats.org/drawingml/2006/main" xmlns:r="http://schemas.openxmlformats.org/officeDocument/2006/relationships" xmlns:p="http://schemas.openxmlformats.org/presentationml/2006/main">
+  <p:cSld>
+    <p:spTree>
+      <p:nvGrpSpPr>
+        <p:cNvPr id="1" name=""/>
+        <p:cNvGrpSpPr/>
+        <p:nvPr/>
+      </p:nvGrpSpPr>
+      <p:grpSpPr>
+        <a:xfrm>
+          <a:off x="0" y="0"/>
+          <a:ext cx="0" cy="0"/>
+          <a:chOff x="0" y="0"/>
+          <a:chExt cx="0" cy="0"/>
+        </a:xfrm>
+      </p:grpSpPr>
+      <p:sp>
+        <p:nvSpPr>
+          <p:cNvPr id="2" name="Slide Image Placeholder 1"/>
+          <p:cNvSpPr>
+            <a:spLocks noGrp="1" noRot="1" noChangeAspect="1"/>
+          </p:cNvSpPr>
+          <p:nvPr>
+            <p:ph type="sldImg"/>
+          </p:nvPr>
+        </p:nvSpPr>
+        <p:spPr/>
+      </p:sp>
+      <p:sp>
+        <p:nvSpPr>
+          <p:cNvPr id="3" name="Notes Placeholder 2"/>
+          <p:cNvSpPr>
+            <a:spLocks noGrp="1"/>
+          </p:cNvSpPr>
+          <p:nvPr>
+            <p:ph type="body" idx="1"/>
+          </p:nvPr>
+        </p:nvSpPr>
+        <p:spPr/>
+        <p:txBody>
+          <a:bodyPr/>
+          <a:lstStyle/>
+          <a:p>
+            <a:r>
+              <a:rPr lang="en-US" sz="1200" b="0" i="0" kern="1200" dirty="0">
+                <a:solidFill>
+                  <a:schemeClr val="tx1"/>
+                </a:solidFill>
+                <a:effectLst/>
+                <a:latin typeface="+mn-lt"/>
+                <a:ea typeface="+mn-ea"/>
+                <a:cs typeface="+mn-cs"/>
+              </a:rPr>
+              <a:t>Step By Step: Use secrets in your pipeline</a:t>
+            </a:r>
+          </a:p>
+          <a:p>
+            <a:endParaRPr lang="en-US" sz="1200" b="0" i="0" kern="1200" dirty="0">
+              <a:solidFill>
+                <a:schemeClr val="tx1"/>
+              </a:solidFill>
+              <a:effectLst/>
+              <a:latin typeface="+mn-lt"/>
+              <a:ea typeface="+mn-ea"/>
+              <a:cs typeface="+mn-cs"/>
+            </a:endParaRPr>
+          </a:p>
+          <a:p>
+            <a:pPr marL="228600" indent="-228600">
+              <a:buFont typeface="+mj-lt"/>
+              <a:buAutoNum type="arabicPeriod"/>
+            </a:pPr>
+            <a:r>
+              <a:rPr lang="en-US" sz="1200" b="0" i="0" kern="1200" dirty="0">
+                <a:solidFill>
+                  <a:schemeClr val="tx1"/>
+                </a:solidFill>
+                <a:effectLst/>
+                <a:latin typeface="+mn-lt"/>
+                <a:ea typeface="+mn-ea"/>
+                <a:cs typeface="+mn-cs"/>
+              </a:rPr>
+              <a:t>Open one of your Release Definitions and set it to edit mode.</a:t>
+            </a:r>
+          </a:p>
+          <a:p>
+            <a:pPr marL="228600" indent="-228600">
+              <a:buFont typeface="+mj-lt"/>
+              <a:buAutoNum type="arabicPeriod"/>
+            </a:pPr>
+            <a:r>
+              <a:rPr lang="en-US" sz="1200" b="0" i="0" kern="1200" dirty="0">
+                <a:solidFill>
+                  <a:schemeClr val="tx1"/>
+                </a:solidFill>
+                <a:effectLst/>
+                <a:latin typeface="+mn-lt"/>
+                <a:ea typeface="+mn-ea"/>
+                <a:cs typeface="+mn-cs"/>
+              </a:rPr>
+              <a:t>Edit the tasks of the environment where you want to apply the secrets.</a:t>
+            </a:r>
+          </a:p>
+          <a:p>
+            <a:pPr marL="228600" indent="-228600">
+              <a:buFont typeface="+mj-lt"/>
+              <a:buAutoNum type="arabicPeriod"/>
+            </a:pPr>
+            <a:r>
+              <a:rPr lang="en-US" sz="1200" b="0" i="0" kern="1200" dirty="0">
+                <a:solidFill>
+                  <a:schemeClr val="tx1"/>
+                </a:solidFill>
+                <a:effectLst/>
+                <a:latin typeface="+mn-lt"/>
+                <a:ea typeface="+mn-ea"/>
+                <a:cs typeface="+mn-cs"/>
+              </a:rPr>
+              <a:t>Part of the files being placed in the sources folder by the TFS agent is your SQL file (you can use the </a:t>
+            </a:r>
+            <a:r>
+              <a:rPr lang="en-US" sz="1200" b="0" i="0" kern="1200" dirty="0" err="1">
+                <a:solidFill>
+                  <a:schemeClr val="tx1"/>
+                </a:solidFill>
+                <a:effectLst/>
+                <a:latin typeface="+mn-lt"/>
+                <a:ea typeface="+mn-ea"/>
+                <a:cs typeface="+mn-cs"/>
+              </a:rPr>
+              <a:t>sample.sql</a:t>
+            </a:r>
+            <a:r>
+              <a:rPr lang="en-US" sz="1200" b="0" i="0" kern="1200" dirty="0">
+                <a:solidFill>
+                  <a:schemeClr val="tx1"/>
+                </a:solidFill>
+                <a:effectLst/>
+                <a:latin typeface="+mn-lt"/>
+                <a:ea typeface="+mn-ea"/>
+                <a:cs typeface="+mn-cs"/>
+              </a:rPr>
+              <a:t> as inspiration). You do not want a password to be visible there.</a:t>
+            </a:r>
+          </a:p>
+          <a:p>
+            <a:pPr marL="228600" indent="-228600">
+              <a:buFont typeface="+mj-lt"/>
+              <a:buAutoNum type="arabicPeriod"/>
+            </a:pPr>
+            <a:r>
+              <a:rPr lang="en-US" sz="1200" b="0" i="0" kern="1200" dirty="0">
+                <a:solidFill>
+                  <a:schemeClr val="tx1"/>
+                </a:solidFill>
+                <a:effectLst/>
+                <a:latin typeface="+mn-lt"/>
+                <a:ea typeface="+mn-ea"/>
+                <a:cs typeface="+mn-cs"/>
+              </a:rPr>
+              <a:t>Replace the password in the SQL file with a token named #{Password}#</a:t>
+            </a:r>
+          </a:p>
+          <a:p>
+            <a:pPr marL="228600" indent="-228600">
+              <a:buFont typeface="+mj-lt"/>
+              <a:buAutoNum type="arabicPeriod"/>
+            </a:pPr>
+            <a:r>
+              <a:rPr lang="en-US" sz="1200" b="0" i="0" kern="1200" dirty="0">
+                <a:solidFill>
+                  <a:schemeClr val="tx1"/>
+                </a:solidFill>
+                <a:effectLst/>
+                <a:latin typeface="+mn-lt"/>
+                <a:ea typeface="+mn-ea"/>
+                <a:cs typeface="+mn-cs"/>
+              </a:rPr>
+              <a:t>Add the Replace tokens tasks to the top of the tasks.</a:t>
+            </a:r>
+          </a:p>
+          <a:p>
+            <a:pPr marL="228600" indent="-228600">
+              <a:buFont typeface="+mj-lt"/>
+              <a:buAutoNum type="arabicPeriod"/>
+            </a:pPr>
+            <a:r>
+              <a:rPr lang="en-US" sz="1200" b="0" i="0" kern="1200" dirty="0">
+                <a:solidFill>
+                  <a:schemeClr val="tx1"/>
+                </a:solidFill>
+                <a:effectLst/>
+                <a:latin typeface="+mn-lt"/>
+                <a:ea typeface="+mn-ea"/>
+                <a:cs typeface="+mn-cs"/>
+              </a:rPr>
+              <a:t>Configure the task settings so that it points to your SQL file where you want to replace the values in.</a:t>
+            </a:r>
+          </a:p>
+          <a:p>
+            <a:pPr marL="228600" indent="-228600">
+              <a:buFont typeface="+mj-lt"/>
+              <a:buAutoNum type="arabicPeriod"/>
+            </a:pPr>
+            <a:r>
+              <a:rPr lang="en-US" sz="1200" b="0" i="0" kern="1200" dirty="0">
+                <a:solidFill>
+                  <a:schemeClr val="tx1"/>
+                </a:solidFill>
+                <a:effectLst/>
+                <a:latin typeface="+mn-lt"/>
+                <a:ea typeface="+mn-ea"/>
+                <a:cs typeface="+mn-cs"/>
+              </a:rPr>
+              <a:t>Under the variables tab, add a new variable with the same name as the token (password) you want to replace.</a:t>
+            </a:r>
+          </a:p>
+          <a:p>
+            <a:pPr marL="228600" indent="-228600">
+              <a:buFont typeface="+mj-lt"/>
+              <a:buAutoNum type="arabicPeriod"/>
+            </a:pPr>
+            <a:endParaRPr lang="en-US" sz="1200" b="0" i="0" kern="1200" dirty="0">
+              <a:solidFill>
+                <a:schemeClr val="tx1"/>
+              </a:solidFill>
+              <a:effectLst/>
+              <a:latin typeface="+mn-lt"/>
+              <a:ea typeface="+mn-ea"/>
+              <a:cs typeface="+mn-cs"/>
+            </a:endParaRPr>
+          </a:p>
+          <a:p>
+            <a:pPr marL="0" indent="0">
+              <a:buFont typeface="+mj-lt"/>
+              <a:buNone/>
+            </a:pPr>
+            <a:r>
+              <a:rPr lang="en-US" sz="1200" b="0" i="0" kern="1200" dirty="0">
+                <a:solidFill>
+                  <a:schemeClr val="tx1"/>
+                </a:solidFill>
+                <a:effectLst/>
+                <a:latin typeface="+mn-lt"/>
+                <a:ea typeface="+mn-ea"/>
+                <a:cs typeface="+mn-cs"/>
+              </a:rPr>
+              <a:t>The next time you run this release definition, the task will replace the token with the value from the variables list. A variable can be marked as secret, which makes sure it is not directly visible, both to users as in logs.</a:t>
+            </a:r>
+          </a:p>
+          <a:p>
+            <a:pPr marL="228600" indent="-228600">
+              <a:buFont typeface="+mj-lt"/>
+              <a:buAutoNum type="arabicPeriod"/>
+            </a:pPr>
+            <a:endParaRPr lang="en-US" sz="1200" b="0" i="0" kern="1200" dirty="0">
+              <a:solidFill>
+                <a:schemeClr val="tx1"/>
+              </a:solidFill>
+              <a:effectLst/>
+              <a:latin typeface="+mn-lt"/>
+              <a:ea typeface="+mn-ea"/>
+              <a:cs typeface="+mn-cs"/>
+            </a:endParaRPr>
+          </a:p>
+          <a:p>
+            <a:endParaRPr lang="en-US" dirty="0"/>
+          </a:p>
+        </p:txBody>
+      </p:sp>
+      <p:sp>
+        <p:nvSpPr>
+          <p:cNvPr id="4" name="Slide Number Placeholder 3"/>
+          <p:cNvSpPr>
+            <a:spLocks noGrp="1"/>
+          </p:cNvSpPr>
+          <p:nvPr>
+            <p:ph type="sldNum" sz="quarter" idx="10"/>
+          </p:nvPr>
+        </p:nvSpPr>
+        <p:spPr/>
+        <p:txBody>
+          <a:bodyPr/>
+          <a:lstStyle/>
+          <a:p>
+            <a:fld id="{1112285D-B62D-0345-9A0E-5D91D31CA9B6}" type="slidenum">
+              <a:rPr lang="en-US" smtClean="0"/>
+              <a:t>15</a:t>
+            </a:fld>
+            <a:endParaRPr lang="en-US"/>
+          </a:p>
+        </p:txBody>
+      </p:sp>
+    </p:spTree>
+    <p:extLst>
+      <p:ext uri="{BB962C8B-B14F-4D97-AF65-F5344CB8AC3E}">
+        <p14:creationId xmlns:p14="http://schemas.microsoft.com/office/powerpoint/2010/main" val="950818550"/>
+      </p:ext>
+    </p:extLst>
+  </p:cSld>
+  <p:clrMapOvr>
+    <a:masterClrMapping/>
+  </p:clrMapOvr>
+</p:notes>
+</file>
+
+<file path=ppt/notesSlides/notesSlide13.xml><?xml version="1.0" encoding="utf-8"?>
+<p:notes xmlns:a="http://schemas.openxmlformats.org/drawingml/2006/main" xmlns:r="http://schemas.openxmlformats.org/officeDocument/2006/relationships" xmlns:p="http://schemas.openxmlformats.org/presentationml/2006/main">
+  <p:cSld>
+    <p:spTree>
+      <p:nvGrpSpPr>
+        <p:cNvPr id="1" name=""/>
+        <p:cNvGrpSpPr/>
+        <p:nvPr/>
+      </p:nvGrpSpPr>
+      <p:grpSpPr>
+        <a:xfrm>
+          <a:off x="0" y="0"/>
+          <a:ext cx="0" cy="0"/>
+          <a:chOff x="0" y="0"/>
+          <a:chExt cx="0" cy="0"/>
+        </a:xfrm>
+      </p:grpSpPr>
+      <p:sp>
+        <p:nvSpPr>
+          <p:cNvPr id="2" name="Slide Image Placeholder 1"/>
+          <p:cNvSpPr>
+            <a:spLocks noGrp="1" noRot="1" noChangeAspect="1"/>
+          </p:cNvSpPr>
+          <p:nvPr>
+            <p:ph type="sldImg"/>
+          </p:nvPr>
+        </p:nvSpPr>
+        <p:spPr/>
+      </p:sp>
+      <p:sp>
+        <p:nvSpPr>
+          <p:cNvPr id="3" name="Notes Placeholder 2"/>
+          <p:cNvSpPr>
+            <a:spLocks noGrp="1"/>
+          </p:cNvSpPr>
+          <p:nvPr>
+            <p:ph type="body" idx="1"/>
+          </p:nvPr>
+        </p:nvSpPr>
+        <p:spPr/>
+        <p:txBody>
+          <a:bodyPr/>
+          <a:lstStyle/>
+          <a:p>
+            <a:r>
+              <a:rPr lang="en-US" sz="1200" b="0" i="0" kern="1200" dirty="0">
+                <a:solidFill>
+                  <a:schemeClr val="tx1"/>
+                </a:solidFill>
+                <a:effectLst/>
+                <a:latin typeface="+mn-lt"/>
+                <a:ea typeface="+mn-ea"/>
+                <a:cs typeface="+mn-cs"/>
+              </a:rPr>
+              <a:t>Step By Step: Create a </a:t>
+            </a:r>
+            <a:r>
+              <a:rPr lang="en-US" sz="1200" b="0" i="0" kern="1200" dirty="0" err="1">
+                <a:solidFill>
+                  <a:schemeClr val="tx1"/>
+                </a:solidFill>
+                <a:effectLst/>
+                <a:latin typeface="+mn-lt"/>
+                <a:ea typeface="+mn-ea"/>
+                <a:cs typeface="+mn-cs"/>
+              </a:rPr>
+              <a:t>keyvault</a:t>
+            </a:r>
+            <a:r>
+              <a:rPr lang="en-US" sz="1200" b="0" i="0" kern="1200" dirty="0">
+                <a:solidFill>
+                  <a:schemeClr val="tx1"/>
+                </a:solidFill>
+                <a:effectLst/>
+                <a:latin typeface="+mn-lt"/>
+                <a:ea typeface="+mn-ea"/>
+                <a:cs typeface="+mn-cs"/>
+              </a:rPr>
+              <a:t> in your resource groups</a:t>
+            </a:r>
+          </a:p>
+          <a:p>
+            <a:endParaRPr lang="en-US" sz="1200" b="0" i="0" kern="1200" dirty="0">
+              <a:solidFill>
+                <a:schemeClr val="tx1"/>
+              </a:solidFill>
+              <a:effectLst/>
+              <a:latin typeface="+mn-lt"/>
+              <a:ea typeface="+mn-ea"/>
+              <a:cs typeface="+mn-cs"/>
+            </a:endParaRPr>
+          </a:p>
+          <a:p>
+            <a:pPr marL="228600" indent="-228600">
+              <a:buFont typeface="+mj-lt"/>
+              <a:buAutoNum type="arabicPeriod"/>
+            </a:pPr>
+            <a:r>
+              <a:rPr lang="en-US" sz="1200" b="0" i="0" kern="1200" dirty="0">
+                <a:solidFill>
+                  <a:schemeClr val="tx1"/>
+                </a:solidFill>
+                <a:effectLst/>
+                <a:latin typeface="+mn-lt"/>
+                <a:ea typeface="+mn-ea"/>
+                <a:cs typeface="+mn-cs"/>
+              </a:rPr>
+              <a:t>Open the </a:t>
+            </a:r>
+            <a:r>
+              <a:rPr lang="en-US" sz="1200" b="0" i="1" kern="1200" dirty="0">
+                <a:solidFill>
+                  <a:schemeClr val="tx1"/>
+                </a:solidFill>
+                <a:effectLst/>
+                <a:latin typeface="+mn-lt"/>
+                <a:ea typeface="+mn-ea"/>
+                <a:cs typeface="+mn-cs"/>
+              </a:rPr>
+              <a:t>Create.bat</a:t>
+            </a:r>
+            <a:r>
+              <a:rPr lang="en-US" sz="1200" b="0" i="0" kern="1200" dirty="0">
+                <a:solidFill>
+                  <a:schemeClr val="tx1"/>
+                </a:solidFill>
+                <a:effectLst/>
+                <a:latin typeface="+mn-lt"/>
+                <a:ea typeface="+mn-ea"/>
+                <a:cs typeface="+mn-cs"/>
+              </a:rPr>
+              <a:t> file which contains the basic instructions using the AZ CLI.</a:t>
+            </a:r>
+          </a:p>
+          <a:p>
+            <a:pPr marL="228600" indent="-228600">
+              <a:buFont typeface="+mj-lt"/>
+              <a:buAutoNum type="arabicPeriod"/>
+            </a:pPr>
+            <a:r>
+              <a:rPr lang="en-US" sz="1200" b="0" i="0" kern="1200" dirty="0">
+                <a:solidFill>
+                  <a:schemeClr val="tx1"/>
+                </a:solidFill>
+                <a:effectLst/>
+                <a:latin typeface="+mn-lt"/>
+                <a:ea typeface="+mn-ea"/>
+                <a:cs typeface="+mn-cs"/>
+              </a:rPr>
+              <a:t>Execute the contents of this file and replace the resource group with the ones you created before. Do this for all the resource groups you have.</a:t>
+            </a:r>
+          </a:p>
+          <a:p>
+            <a:pPr marL="228600" indent="-228600">
+              <a:buFont typeface="+mj-lt"/>
+              <a:buAutoNum type="arabicPeriod"/>
+            </a:pPr>
+            <a:r>
+              <a:rPr lang="en-US" dirty="0">
+                <a:effectLst/>
+              </a:rPr>
+              <a:t>To get all the resource groups available run the following command; </a:t>
+            </a:r>
+            <a:r>
+              <a:rPr lang="en-US" dirty="0" err="1">
+                <a:effectLst/>
+              </a:rPr>
+              <a:t>az</a:t>
+            </a:r>
+            <a:r>
+              <a:rPr lang="en-US" dirty="0">
+                <a:effectLst/>
+              </a:rPr>
+              <a:t> group list</a:t>
+            </a:r>
+          </a:p>
+          <a:p>
+            <a:pPr marL="228600" indent="-228600">
+              <a:buFont typeface="+mj-lt"/>
+              <a:buAutoNum type="arabicPeriod"/>
+            </a:pPr>
+            <a:r>
+              <a:rPr lang="en-US" sz="1200" b="0" i="0" kern="1200" dirty="0">
+                <a:solidFill>
+                  <a:schemeClr val="tx1"/>
+                </a:solidFill>
+                <a:effectLst/>
+                <a:latin typeface="+mn-lt"/>
+                <a:ea typeface="+mn-ea"/>
+                <a:cs typeface="+mn-cs"/>
+              </a:rPr>
+              <a:t>Go to the Variables tab and add a new Variable Group.</a:t>
+            </a:r>
+          </a:p>
+          <a:p>
+            <a:pPr marL="228600" indent="-228600">
+              <a:buFont typeface="+mj-lt"/>
+              <a:buAutoNum type="arabicPeriod"/>
+            </a:pPr>
+            <a:r>
+              <a:rPr lang="en-US" sz="1200" b="0" i="0" kern="1200" dirty="0">
+                <a:solidFill>
+                  <a:schemeClr val="tx1"/>
+                </a:solidFill>
+                <a:effectLst/>
+                <a:latin typeface="+mn-lt"/>
+                <a:ea typeface="+mn-ea"/>
+                <a:cs typeface="+mn-cs"/>
+              </a:rPr>
+              <a:t>Indicate that you want to link the secret from an Azure </a:t>
+            </a:r>
+            <a:r>
+              <a:rPr lang="en-US" sz="1200" b="0" i="0" kern="1200" dirty="0" err="1">
+                <a:solidFill>
+                  <a:schemeClr val="tx1"/>
+                </a:solidFill>
+                <a:effectLst/>
+                <a:latin typeface="+mn-lt"/>
+                <a:ea typeface="+mn-ea"/>
+                <a:cs typeface="+mn-cs"/>
+              </a:rPr>
+              <a:t>Keyvault</a:t>
+            </a:r>
+            <a:r>
+              <a:rPr lang="en-US" sz="1200" b="0" i="0" kern="1200" dirty="0">
+                <a:solidFill>
+                  <a:schemeClr val="tx1"/>
+                </a:solidFill>
+                <a:effectLst/>
+                <a:latin typeface="+mn-lt"/>
+                <a:ea typeface="+mn-ea"/>
+                <a:cs typeface="+mn-cs"/>
+              </a:rPr>
+              <a:t> and select the </a:t>
+            </a:r>
+            <a:r>
+              <a:rPr lang="en-US" sz="1200" b="0" i="0" kern="1200" dirty="0" err="1">
+                <a:solidFill>
+                  <a:schemeClr val="tx1"/>
+                </a:solidFill>
+                <a:effectLst/>
+                <a:latin typeface="+mn-lt"/>
+                <a:ea typeface="+mn-ea"/>
+                <a:cs typeface="+mn-cs"/>
+              </a:rPr>
+              <a:t>Keyvault</a:t>
+            </a:r>
+            <a:r>
+              <a:rPr lang="en-US" sz="1200" b="0" i="0" kern="1200" dirty="0">
+                <a:solidFill>
+                  <a:schemeClr val="tx1"/>
+                </a:solidFill>
+                <a:effectLst/>
+                <a:latin typeface="+mn-lt"/>
+                <a:ea typeface="+mn-ea"/>
+                <a:cs typeface="+mn-cs"/>
+              </a:rPr>
+              <a:t> you created. When the connection is made, you can add the secrets to the variables.</a:t>
+            </a:r>
+          </a:p>
+          <a:p>
+            <a:pPr marL="228600" indent="-228600">
+              <a:buFont typeface="+mj-lt"/>
+              <a:buAutoNum type="arabicPeriod"/>
+            </a:pPr>
+            <a:r>
+              <a:rPr lang="en-US" dirty="0">
+                <a:effectLst/>
+              </a:rPr>
+              <a:t>Make sure you select the correct Azure Subscription and </a:t>
+            </a:r>
+            <a:r>
+              <a:rPr lang="en-US" dirty="0" err="1">
+                <a:effectLst/>
+              </a:rPr>
+              <a:t>Keyvault</a:t>
+            </a:r>
+            <a:r>
+              <a:rPr lang="en-US" dirty="0">
+                <a:effectLst/>
+              </a:rPr>
+              <a:t> name</a:t>
+            </a:r>
+          </a:p>
+          <a:p>
+            <a:pPr marL="228600" indent="-228600">
+              <a:buFont typeface="+mj-lt"/>
+              <a:buAutoNum type="arabicPeriod"/>
+            </a:pPr>
+            <a:r>
+              <a:rPr lang="en-US" sz="1200" b="0" i="0" kern="1200" dirty="0">
+                <a:solidFill>
+                  <a:schemeClr val="tx1"/>
+                </a:solidFill>
+                <a:effectLst/>
+                <a:latin typeface="+mn-lt"/>
+                <a:ea typeface="+mn-ea"/>
+                <a:cs typeface="+mn-cs"/>
+              </a:rPr>
+              <a:t>Link the variable group in your release </a:t>
+            </a:r>
+            <a:r>
+              <a:rPr lang="en-US" sz="1200" b="0" i="0" kern="1200" dirty="0" err="1">
+                <a:solidFill>
+                  <a:schemeClr val="tx1"/>
+                </a:solidFill>
+                <a:effectLst/>
+                <a:latin typeface="+mn-lt"/>
+                <a:ea typeface="+mn-ea"/>
+                <a:cs typeface="+mn-cs"/>
+              </a:rPr>
+              <a:t>defintion</a:t>
+            </a:r>
+            <a:endParaRPr lang="en-US" sz="1200" b="0" i="0" kern="1200" dirty="0">
+              <a:solidFill>
+                <a:schemeClr val="tx1"/>
+              </a:solidFill>
+              <a:effectLst/>
+              <a:latin typeface="+mn-lt"/>
+              <a:ea typeface="+mn-ea"/>
+              <a:cs typeface="+mn-cs"/>
+            </a:endParaRPr>
+          </a:p>
+          <a:p>
+            <a:pPr marL="228600" indent="-228600">
+              <a:buFont typeface="+mj-lt"/>
+              <a:buAutoNum type="arabicPeriod"/>
+            </a:pPr>
+            <a:r>
+              <a:rPr lang="en-US" dirty="0">
+                <a:effectLst/>
+              </a:rPr>
+              <a:t>Make sure that the Password variable name matches the name in the </a:t>
+            </a:r>
+            <a:r>
+              <a:rPr lang="en-US" dirty="0" err="1">
+                <a:effectLst/>
+              </a:rPr>
+              <a:t>Keyvault</a:t>
+            </a:r>
+            <a:endParaRPr lang="en-US" dirty="0">
+              <a:effectLst/>
+            </a:endParaRPr>
+          </a:p>
+          <a:p>
+            <a:endParaRPr lang="en-US" dirty="0"/>
+          </a:p>
+        </p:txBody>
+      </p:sp>
+      <p:sp>
+        <p:nvSpPr>
+          <p:cNvPr id="4" name="Slide Number Placeholder 3"/>
+          <p:cNvSpPr>
+            <a:spLocks noGrp="1"/>
+          </p:cNvSpPr>
+          <p:nvPr>
+            <p:ph type="sldNum" sz="quarter" idx="10"/>
+          </p:nvPr>
+        </p:nvSpPr>
+        <p:spPr/>
+        <p:txBody>
+          <a:bodyPr/>
+          <a:lstStyle/>
+          <a:p>
+            <a:fld id="{1112285D-B62D-0345-9A0E-5D91D31CA9B6}" type="slidenum">
+              <a:rPr lang="en-US" smtClean="0"/>
+              <a:t>16</a:t>
+            </a:fld>
+            <a:endParaRPr lang="en-US"/>
+          </a:p>
+        </p:txBody>
+      </p:sp>
+    </p:spTree>
+    <p:extLst>
+      <p:ext uri="{BB962C8B-B14F-4D97-AF65-F5344CB8AC3E}">
+        <p14:creationId xmlns:p14="http://schemas.microsoft.com/office/powerpoint/2010/main" val="1759468608"/>
       </p:ext>
     </p:extLst>
   </p:cSld>
